--- a/DOCUMENTACAO/tela.pptx
+++ b/DOCUMENTACAO/tela.pptx
@@ -118,7 +118,7 @@
       </p14:sectionLst>
     </p:ext>
     <p:ext uri="{EFAFB233-063F-42B5-8137-9DF3F51BA10A}">
-      <p15:sldGuideLst xmlns="" xmlns:p15="http://schemas.microsoft.com/office/powerpoint/2012/main">
+      <p15:sldGuideLst xmlns:p15="http://schemas.microsoft.com/office/powerpoint/2012/main" xmlns="">
         <p15:guide id="1" pos="208" userDrawn="1">
           <p15:clr>
             <a:srgbClr val="A4A3A4"/>
@@ -3097,8 +3097,8 @@
         </p:nvGrpSpPr>
         <p:grpSpPr>
           <a:xfrm>
-            <a:off x="-1" y="-182880"/>
-            <a:ext cx="17346613" cy="9436735"/>
+            <a:off x="-1" y="165546"/>
+            <a:ext cx="17346613" cy="9088309"/>
             <a:chOff x="0" y="0"/>
             <a:chExt cx="9144000" cy="6858000"/>
           </a:xfrm>
@@ -3240,14 +3240,6 @@
                   </a:rPr>
                   <a:t>Feriados Nacionais</a:t>
                 </a:r>
-                <a:endParaRPr lang="en-US" sz="1400" b="1" dirty="0" smtClean="0">
-                  <a:solidFill>
-                    <a:prstClr val="white"/>
-                  </a:solidFill>
-                  <a:latin typeface="Tahoma" pitchFamily="34" charset="0"/>
-                  <a:ea typeface="Tahoma" pitchFamily="34" charset="0"/>
-                  <a:cs typeface="Tahoma" pitchFamily="34" charset="0"/>
-                </a:endParaRPr>
               </a:p>
             </p:txBody>
           </p:sp>
@@ -3578,8 +3570,8 @@
         </p:nvSpPr>
         <p:spPr>
           <a:xfrm>
-            <a:off x="158359" y="395415"/>
-            <a:ext cx="17043698" cy="971080"/>
+            <a:off x="204963" y="779463"/>
+            <a:ext cx="16920000" cy="612000"/>
           </a:xfrm>
           <a:prstGeom prst="rect">
             <a:avLst/>
@@ -3642,20 +3634,6 @@
               </a:rPr>
               <a:t>Feriados Nacionais</a:t>
             </a:r>
-            <a:endParaRPr kumimoji="0" lang="en-US" sz="2800" b="1" i="0" u="none" strike="noStrike" kern="0" cap="none" spc="0" normalizeH="0" baseline="0" noProof="0" dirty="0" smtClean="0">
-              <a:ln>
-                <a:noFill/>
-              </a:ln>
-              <a:solidFill>
-                <a:schemeClr val="bg1"/>
-              </a:solidFill>
-              <a:effectLst/>
-              <a:uLnTx/>
-              <a:uFillTx/>
-              <a:latin typeface="Tahoma" pitchFamily="34" charset="0"/>
-              <a:ea typeface="Tahoma" pitchFamily="34" charset="0"/>
-              <a:cs typeface="Tahoma" pitchFamily="34" charset="0"/>
-            </a:endParaRPr>
           </a:p>
         </p:txBody>
       </p:sp>
@@ -3668,7 +3646,7 @@
         <p:spPr>
           <a:xfrm>
             <a:off x="196313" y="1440398"/>
-            <a:ext cx="8659581" cy="4091121"/>
+            <a:ext cx="8640000" cy="4091121"/>
           </a:xfrm>
           <a:prstGeom prst="rect">
             <a:avLst/>
@@ -3830,19 +3808,6 @@
               </a:rPr>
               <a:t>25</a:t>
             </a:r>
-            <a:endParaRPr lang="en-US" sz="21600" b="1" dirty="0" smtClean="0">
-              <a:ln w="11430">
-                <a:solidFill>
-                  <a:schemeClr val="bg1"/>
-                </a:solidFill>
-              </a:ln>
-              <a:solidFill>
-                <a:schemeClr val="bg1"/>
-              </a:solidFill>
-              <a:latin typeface="Tahoma" pitchFamily="34" charset="0"/>
-              <a:ea typeface="Tahoma" pitchFamily="34" charset="0"/>
-              <a:cs typeface="Tahoma" pitchFamily="34" charset="0"/>
-            </a:endParaRPr>
           </a:p>
         </p:txBody>
       </p:sp>
@@ -3883,14 +3848,6 @@
               </a:rPr>
               <a:t>Dias</a:t>
             </a:r>
-            <a:endParaRPr lang="en-US" sz="2400" b="1" dirty="0" smtClean="0">
-              <a:solidFill>
-                <a:schemeClr val="bg1"/>
-              </a:solidFill>
-              <a:latin typeface="Tahoma" pitchFamily="34" charset="0"/>
-              <a:ea typeface="Tahoma" pitchFamily="34" charset="0"/>
-              <a:cs typeface="Tahoma" pitchFamily="34" charset="0"/>
-            </a:endParaRPr>
           </a:p>
         </p:txBody>
       </p:sp>
@@ -3903,7 +3860,7 @@
         <p:spPr>
           <a:xfrm>
             <a:off x="195736" y="5588991"/>
-            <a:ext cx="8658000" cy="613125"/>
+            <a:ext cx="8640000" cy="613125"/>
           </a:xfrm>
           <a:prstGeom prst="rect">
             <a:avLst/>
@@ -3971,14 +3928,6 @@
               </a:rPr>
               <a:t>Natal</a:t>
             </a:r>
-            <a:endParaRPr lang="en-US" sz="2400" b="1" dirty="0" smtClean="0">
-              <a:solidFill>
-                <a:schemeClr val="bg1"/>
-              </a:solidFill>
-              <a:latin typeface="Tahoma" pitchFamily="34" charset="0"/>
-              <a:ea typeface="Tahoma" pitchFamily="34" charset="0"/>
-              <a:cs typeface="Tahoma" pitchFamily="34" charset="0"/>
-            </a:endParaRPr>
           </a:p>
         </p:txBody>
       </p:sp>
@@ -3991,7 +3940,7 @@
         <p:spPr>
           <a:xfrm>
             <a:off x="194935" y="6272784"/>
-            <a:ext cx="8658000" cy="2798064"/>
+            <a:ext cx="8640000" cy="2916000"/>
           </a:xfrm>
           <a:prstGeom prst="rect">
             <a:avLst/>
@@ -4151,14 +4100,6 @@
               </a:rPr>
               <a:t>Dezembro</a:t>
             </a:r>
-            <a:endParaRPr lang="en-US" sz="2400" b="1" dirty="0" smtClean="0">
-              <a:solidFill>
-                <a:schemeClr val="bg1"/>
-              </a:solidFill>
-              <a:latin typeface="Tahoma" pitchFamily="34" charset="0"/>
-              <a:ea typeface="Tahoma" pitchFamily="34" charset="0"/>
-              <a:cs typeface="Tahoma" pitchFamily="34" charset="0"/>
-            </a:endParaRPr>
           </a:p>
         </p:txBody>
       </p:sp>
@@ -4171,7 +4112,7 @@
         <p:spPr>
           <a:xfrm>
             <a:off x="8924241" y="1440398"/>
-            <a:ext cx="8208000" cy="7630450"/>
+            <a:ext cx="8208000" cy="7740000"/>
           </a:xfrm>
           <a:prstGeom prst="rect">
             <a:avLst/>
@@ -4239,14 +4180,6 @@
               </a:rPr>
               <a:t>Domingo</a:t>
             </a:r>
-            <a:endParaRPr lang="en-US" sz="2400" b="1" dirty="0" smtClean="0">
-              <a:solidFill>
-                <a:schemeClr val="bg1"/>
-              </a:solidFill>
-              <a:latin typeface="Tahoma" pitchFamily="34" charset="0"/>
-              <a:ea typeface="Tahoma" pitchFamily="34" charset="0"/>
-              <a:cs typeface="Tahoma" pitchFamily="34" charset="0"/>
-            </a:endParaRPr>
           </a:p>
         </p:txBody>
       </p:sp>
@@ -4473,24 +4406,7 @@
                   <a:ea typeface="Tahoma" pitchFamily="34" charset="0"/>
                   <a:cs typeface="Tahoma" pitchFamily="34" charset="0"/>
                 </a:rPr>
-                <a:t>  -  </a:t>
-              </a:r>
-              <a:r>
-                <a:rPr kumimoji="0" lang="en-US" sz="1800" b="1" i="0" u="none" strike="noStrike" kern="0" cap="none" spc="0" normalizeH="0" noProof="0" dirty="0" smtClean="0">
-                  <a:ln>
-                    <a:noFill/>
-                  </a:ln>
-                  <a:solidFill>
-                    <a:schemeClr val="accent1"/>
-                  </a:solidFill>
-                  <a:effectLst/>
-                  <a:uLnTx/>
-                  <a:uFillTx/>
-                  <a:latin typeface="Tahoma" pitchFamily="34" charset="0"/>
-                  <a:ea typeface="Tahoma" pitchFamily="34" charset="0"/>
-                  <a:cs typeface="Tahoma" pitchFamily="34" charset="0"/>
-                </a:rPr>
-                <a:t>Proclamação da República                    </a:t>
+                <a:t>  -  Proclamação da República                    </a:t>
               </a:r>
               <a:endParaRPr kumimoji="0" lang="en-US" sz="1800" b="1" i="0" u="none" strike="noStrike" kern="0" cap="none" spc="0" normalizeH="0" baseline="0" noProof="0" dirty="0" smtClean="0">
                 <a:ln>
@@ -4576,20 +4492,6 @@
                 </a:rPr>
                 <a:t>  Natal</a:t>
               </a:r>
-              <a:endParaRPr kumimoji="0" lang="en-US" sz="1800" b="1" i="0" u="none" strike="noStrike" kern="0" cap="none" spc="0" normalizeH="0" baseline="0" noProof="0" dirty="0" smtClean="0">
-                <a:ln>
-                  <a:noFill/>
-                </a:ln>
-                <a:solidFill>
-                  <a:schemeClr val="accent1"/>
-                </a:solidFill>
-                <a:effectLst/>
-                <a:uLnTx/>
-                <a:uFillTx/>
-                <a:latin typeface="Tahoma" pitchFamily="34" charset="0"/>
-                <a:ea typeface="Tahoma" pitchFamily="34" charset="0"/>
-                <a:cs typeface="Tahoma" pitchFamily="34" charset="0"/>
-              </a:endParaRPr>
             </a:p>
             <a:p>
               <a:pPr marL="0" marR="0" lvl="0" indent="0" defTabSz="914099" eaLnBrk="1" fontAlgn="base" latinLnBrk="0" hangingPunct="1">
@@ -4782,88 +4684,9 @@
   <p:timing>
     <p:tnLst>
       <p:par>
-        <p:cTn id="1" dur="indefinite" restart="never" nodeType="tmRoot">
-          <p:childTnLst>
-            <p:seq concurrent="1" nextAc="seek">
-              <p:cTn id="2" dur="indefinite" nodeType="mainSeq">
-                <p:childTnLst>
-                  <p:par>
-                    <p:cTn id="3" fill="hold">
-                      <p:stCondLst>
-                        <p:cond delay="indefinite"/>
-                      </p:stCondLst>
-                      <p:childTnLst>
-                        <p:par>
-                          <p:cTn id="4" fill="hold">
-                            <p:stCondLst>
-                              <p:cond delay="0"/>
-                            </p:stCondLst>
-                            <p:childTnLst>
-                              <p:par>
-                                <p:cTn id="5" presetID="10" presetClass="entr" presetSubtype="0" fill="hold" grpId="0" nodeType="clickEffect">
-                                  <p:stCondLst>
-                                    <p:cond delay="0"/>
-                                  </p:stCondLst>
-                                  <p:childTnLst>
-                                    <p:set>
-                                      <p:cBhvr>
-                                        <p:cTn id="6" dur="1" fill="hold">
-                                          <p:stCondLst>
-                                            <p:cond delay="0"/>
-                                          </p:stCondLst>
-                                        </p:cTn>
-                                        <p:tgtEl>
-                                          <p:spTgt spid="60"/>
-                                        </p:tgtEl>
-                                        <p:attrNameLst>
-                                          <p:attrName>style.visibility</p:attrName>
-                                        </p:attrNameLst>
-                                      </p:cBhvr>
-                                      <p:to>
-                                        <p:strVal val="visible"/>
-                                      </p:to>
-                                    </p:set>
-                                    <p:animEffect transition="in" filter="fade">
-                                      <p:cBhvr>
-                                        <p:cTn id="7" dur="500"/>
-                                        <p:tgtEl>
-                                          <p:spTgt spid="60"/>
-                                        </p:tgtEl>
-                                      </p:cBhvr>
-                                    </p:animEffect>
-                                  </p:childTnLst>
-                                </p:cTn>
-                              </p:par>
-                            </p:childTnLst>
-                          </p:cTn>
-                        </p:par>
-                      </p:childTnLst>
-                    </p:cTn>
-                  </p:par>
-                </p:childTnLst>
-              </p:cTn>
-              <p:prevCondLst>
-                <p:cond evt="onPrev" delay="0">
-                  <p:tgtEl>
-                    <p:sldTgt/>
-                  </p:tgtEl>
-                </p:cond>
-              </p:prevCondLst>
-              <p:nextCondLst>
-                <p:cond evt="onNext" delay="0">
-                  <p:tgtEl>
-                    <p:sldTgt/>
-                  </p:tgtEl>
-                </p:cond>
-              </p:nextCondLst>
-            </p:seq>
-          </p:childTnLst>
-        </p:cTn>
+        <p:cTn id="1" dur="indefinite" restart="never" nodeType="tmRoot"/>
       </p:par>
     </p:tnLst>
-    <p:bldLst>
-      <p:bldP spid="60" grpId="0" animBg="1"/>
-    </p:bldLst>
   </p:timing>
 </p:sld>
 </file>
@@ -5123,7 +4946,7 @@
   <a:extraClrSchemeLst/>
   <a:extLst>
     <a:ext uri="{05A4C25C-085E-4340-85A3-A5531E510DB2}">
-      <thm15:themeFamily xmlns="" xmlns:thm15="http://schemas.microsoft.com/office/thememl/2012/main" name="Office Theme" id="{62F939B6-93AF-4DB8-9C6B-D6C7DFDC589F}" vid="{4A3C46E8-61CC-4603-A589-7422A47A8E4A}"/>
+      <thm15:themeFamily xmlns:thm15="http://schemas.microsoft.com/office/thememl/2012/main" xmlns="" name="Office Theme" id="{62F939B6-93AF-4DB8-9C6B-D6C7DFDC589F}" vid="{4A3C46E8-61CC-4603-A589-7422A47A8E4A}"/>
     </a:ext>
   </a:extLst>
 </a:theme>
@@ -5131,623 +4954,927 @@
 
 <file path=customXml/item1.xml><?xml version="1.0" encoding="utf-8"?>
 <Control xmlns="http://schemas.microsoft.com/VisualStudio/2011/storyboarding/control">
+  <Id Name="e07fad4f-52ca-4dc6-bc35-72e3fd18fcb6" Revision="1" Stencil="System.MyShapes" StencilVersion="1.0"/>
+</Control>
+</file>
+
+<file path=customXml/item10.xml><?xml version="1.0" encoding="utf-8"?>
+<Control xmlns="http://schemas.microsoft.com/VisualStudio/2011/storyboarding/control">
+  <Id Name="e644ec62-951f-41f1-93e9-998002def9df" Revision="1" Stencil="System.MyShapes" StencilVersion="1.0"/>
+</Control>
+</file>
+
+<file path=customXml/item100.xml><?xml version="1.0" encoding="utf-8"?>
+<Control xmlns="http://schemas.microsoft.com/VisualStudio/2011/storyboarding/control">
+  <Id Name="7029ca72-bf2d-478e-861d-f2aa5ad408fc" Revision="1" Stencil="System.MyShapes" StencilVersion="1.0"/>
+</Control>
+</file>
+
+<file path=customXml/item101.xml><?xml version="1.0" encoding="utf-8"?>
+<Control xmlns="http://schemas.microsoft.com/VisualStudio/2011/storyboarding/control">
+  <Id Name="763d7bfb-b3b8-4ea8-8034-9d9d41d5c82e" Revision="1" Stencil="System.MyShapes" StencilVersion="1.0"/>
+</Control>
+</file>
+
+<file path=customXml/item102.xml><?xml version="1.0" encoding="utf-8"?>
+<Control xmlns="http://schemas.microsoft.com/VisualStudio/2011/storyboarding/control">
+  <Id Name="f3c83fd9-85f0-4f9e-b4e4-752b160e5e27" Revision="1" Stencil="System.MyShapes" StencilVersion="1.0"/>
+</Control>
+</file>
+
+<file path=customXml/item103.xml><?xml version="1.0" encoding="utf-8"?>
+<Control xmlns="http://schemas.microsoft.com/VisualStudio/2011/storyboarding/control">
+  <Id Name="e4ba56a9-8a58-4830-a401-64f958a11047" Revision="1" Stencil="System.MyShapes" StencilVersion="1.0"/>
+</Control>
+</file>
+
+<file path=customXml/item11.xml><?xml version="1.0" encoding="utf-8"?>
+<Control xmlns="http://schemas.microsoft.com/VisualStudio/2011/storyboarding/control">
+  <Id Name="System.Storyboarding.WindowsApps.WindowsAppsButton" Revision="1" Stencil="System.Storyboarding.WindowsApps" StencilVersion="0.1"/>
+</Control>
+</file>
+
+<file path=customXml/item12.xml><?xml version="1.0" encoding="utf-8"?>
+<Control xmlns="http://schemas.microsoft.com/VisualStudio/2011/storyboarding/control">
+  <Id Name="03212658-6cac-4c2c-9939-d48fe8ca6103" Revision="1" Stencil="System.MyShapes" StencilVersion="1.0"/>
+</Control>
+</file>
+
+<file path=customXml/item13.xml><?xml version="1.0" encoding="utf-8"?>
+<Control xmlns="http://schemas.microsoft.com/VisualStudio/2011/storyboarding/control">
+  <Id Name="0c1b016f-41ba-4c62-871a-86522beec260" Revision="1" Stencil="System.MyShapes" StencilVersion="1.0"/>
+</Control>
+</file>
+
+<file path=customXml/item14.xml><?xml version="1.0" encoding="utf-8"?>
+<Control xmlns="http://schemas.microsoft.com/VisualStudio/2011/storyboarding/control">
+  <Id Name="0bfeed95-8ffe-40e3-8ce4-881aaaa08d96" Revision="1" Stencil="System.MyShapes" StencilVersion="1.0"/>
+</Control>
+</file>
+
+<file path=customXml/item15.xml><?xml version="1.0" encoding="utf-8"?>
+<Control xmlns="http://schemas.microsoft.com/VisualStudio/2011/storyboarding/control">
+  <Id Name="d6afb1a6-3b58-4d37-bc6a-5b40f29f467a" Revision="1" Stencil="System.MyShapes" StencilVersion="1.0"/>
+</Control>
+</file>
+
+<file path=customXml/item16.xml><?xml version="1.0" encoding="utf-8"?>
+<Control xmlns="http://schemas.microsoft.com/VisualStudio/2011/storyboarding/control">
+  <Id Name="0f28cf5d-f67f-426c-894e-ad88fd7bc5a3" Revision="1" Stencil="System.MyShapes" StencilVersion="1.0"/>
+</Control>
+</file>
+
+<file path=customXml/item17.xml><?xml version="1.0" encoding="utf-8"?>
+<Control xmlns="http://schemas.microsoft.com/VisualStudio/2011/storyboarding/control">
+  <Id Name="5e505f8e-b0aa-429a-bb4c-92ab0e8a8ee6" RevisionId="d2083f08-ba4f-4330-87aa-e4d23a4443d7" Stencil="172d6d98-e5c9-42e9-a209-79f7a94bbd38" StencilRevisionId="00000000-0000-0000-0000-000000000000" StencilVersion="0.0"/>
+</Control>
+</file>
+
+<file path=customXml/item18.xml><?xml version="1.0" encoding="utf-8"?>
+<Control xmlns="http://schemas.microsoft.com/VisualStudio/2011/storyboarding/control">
+  <Id Name="System.Storyboarding.Backgrounds.Window" Revision="1" Stencil="System.Storyboarding.Backgrounds" StencilVersion="0.1"/>
+</Control>
+</file>
+
+<file path=customXml/item19.xml><?xml version="1.0" encoding="utf-8"?>
+<Control xmlns="http://schemas.microsoft.com/VisualStudio/2011/storyboarding/control">
+  <Id Name="System.Storyboarding.Common.Text" Revision="1" Stencil="System.Storyboarding.Common" StencilVersion="0.1"/>
+</Control>
+</file>
+
+<file path=customXml/item2.xml><?xml version="1.0" encoding="utf-8"?>
+<Control xmlns="http://schemas.microsoft.com/VisualStudio/2011/storyboarding/control">
+  <Id Name="a60a68cf-4428-4c9a-a248-acdc50cfeb51" Revision="1" Stencil="System.MyShapes" StencilVersion="1.0"/>
+</Control>
+</file>
+
+<file path=customXml/item20.xml><?xml version="1.0" encoding="utf-8"?>
+<Control xmlns="http://schemas.microsoft.com/VisualStudio/2011/storyboarding/control">
+  <Id Name="System.Storyboarding.Common.Text" Revision="1" Stencil="System.Storyboarding.Common" StencilVersion="0.1"/>
+</Control>
+</file>
+
+<file path=customXml/item21.xml><?xml version="1.0" encoding="utf-8"?>
+<Control xmlns="http://schemas.microsoft.com/VisualStudio/2011/storyboarding/control">
+  <Id Name="System.Storyboarding.Common.Text" Revision="1" Stencil="System.Storyboarding.Common" StencilVersion="0.1"/>
+</Control>
+</file>
+
+<file path=customXml/item22.xml><?xml version="1.0" encoding="utf-8"?>
+<Control xmlns="http://schemas.microsoft.com/VisualStudio/2011/storyboarding/control">
+  <Id Name="d6afb1a6-3b58-4d37-bc6a-5b40f29f467a" Revision="1" Stencil="System.MyShapes" StencilVersion="1.0"/>
+</Control>
+</file>
+
+<file path=customXml/item23.xml><?xml version="1.0" encoding="utf-8"?>
+<Control xmlns="http://schemas.microsoft.com/VisualStudio/2011/storyboarding/control">
+  <Id Name="6c0b7038-1d69-4576-9d84-f7627727466f" Revision="1" Stencil="System.MyShapes" StencilVersion="1.0"/>
+</Control>
+</file>
+
+<file path=customXml/item24.xml><?xml version="1.0" encoding="utf-8"?>
+<Control xmlns="http://schemas.microsoft.com/VisualStudio/2011/storyboarding/control">
+  <Id Name="System.Storyboarding.Common.TextInput" Revision="1" Stencil="System.Storyboarding.Common" StencilVersion="0.1"/>
+</Control>
+</file>
+
+<file path=customXml/item25.xml><?xml version="1.0" encoding="utf-8"?>
+<Control xmlns="http://schemas.microsoft.com/VisualStudio/2011/storyboarding/control">
+  <Id Name="5e505f8e-b0aa-429a-bb4c-92ab0e8a8ee6" RevisionId="d2083f08-ba4f-4330-87aa-e4d23a4443d7" Stencil="172d6d98-e5c9-42e9-a209-79f7a94bbd38" StencilRevisionId="00000000-0000-0000-0000-000000000000" StencilVersion="0.0"/>
+</Control>
+</file>
+
+<file path=customXml/item26.xml><?xml version="1.0" encoding="utf-8"?>
+<Control xmlns="http://schemas.microsoft.com/VisualStudio/2011/storyboarding/control">
+  <Id Name="c9b3bcdd-468e-4f29-a6f4-f9016a00dc8c" Revision="1" Stencil="System.MyShapes" StencilVersion="1.0"/>
+</Control>
+</file>
+
+<file path=customXml/item27.xml><?xml version="1.0" encoding="utf-8"?>
+<Control xmlns="http://schemas.microsoft.com/VisualStudio/2011/storyboarding/control">
+  <Id Name="System.Storyboarding.Backgrounds.Window" Revision="1" Stencil="System.Storyboarding.Backgrounds" StencilVersion="0.1"/>
+</Control>
+</file>
+
+<file path=customXml/item28.xml><?xml version="1.0" encoding="utf-8"?>
+<Control xmlns="http://schemas.microsoft.com/VisualStudio/2011/storyboarding/control">
+  <Id Name="System.Storyboarding.WindowsApps.WindowsAppsButton" Revision="1" Stencil="System.Storyboarding.WindowsApps" StencilVersion="0.1"/>
+</Control>
+</file>
+
+<file path=customXml/item29.xml><?xml version="1.0" encoding="utf-8"?>
+<Control xmlns="http://schemas.microsoft.com/VisualStudio/2011/storyboarding/control">
+  <Id Name="a4c8cdba-5c28-40b4-af00-9176a8159319" Revision="1" Stencil="System.MyShapes" StencilVersion="1.0"/>
+</Control>
+</file>
+
+<file path=customXml/item3.xml><?xml version="1.0" encoding="utf-8"?>
+<Control xmlns="http://schemas.microsoft.com/VisualStudio/2011/storyboarding/control">
+  <Id Name="32b76eba-850f-4144-83be-f0e6effe6d28" Revision="1" Stencil="System.MyShapes" StencilVersion="1.0"/>
+</Control>
+</file>
+
+<file path=customXml/item30.xml><?xml version="1.0" encoding="utf-8"?>
+<Control xmlns="http://schemas.microsoft.com/VisualStudio/2011/storyboarding/control">
+  <Id Name="System.Storyboarding.Common.TextInput" Revision="1" Stencil="System.Storyboarding.Common" StencilVersion="0.1"/>
+</Control>
+</file>
+
+<file path=customXml/item31.xml><?xml version="1.0" encoding="utf-8"?>
+<Control xmlns="http://schemas.microsoft.com/VisualStudio/2011/storyboarding/control">
+  <Id Name="System.Storyboarding.Annotation.AnimatedBanner" Revision="1" Stencil="System.Storyboarding.Annotation" StencilVersion="0.1"/>
+</Control>
+</file>
+
+<file path=customXml/item32.xml><?xml version="1.0" encoding="utf-8"?>
+<Control xmlns="http://schemas.microsoft.com/VisualStudio/2011/storyboarding/control">
+  <Id Name="380c64ca-747a-4933-925e-7f56f627b15f" Revision="1" Stencil="System.MyShapes" StencilVersion="1.0"/>
+</Control>
+</file>
+
+<file path=customXml/item33.xml><?xml version="1.0" encoding="utf-8"?>
+<Control xmlns="http://schemas.microsoft.com/VisualStudio/2011/storyboarding/control">
+  <Id Name="d6afb1a6-3b58-4d37-bc6a-5b40f29f467a" Revision="1" Stencil="System.MyShapes" StencilVersion="1.0"/>
+</Control>
+</file>
+
+<file path=customXml/item34.xml><?xml version="1.0" encoding="utf-8"?>
+<Control xmlns="http://schemas.microsoft.com/VisualStudio/2011/storyboarding/control">
+  <Id Name="System.Storyboarding.WindowsApps.WindowsAppsListBox" Revision="1" Stencil="System.Storyboarding.WindowsApps" StencilVersion="0.1"/>
+</Control>
+</file>
+
+<file path=customXml/item35.xml><?xml version="1.0" encoding="utf-8"?>
+<Control xmlns="http://schemas.microsoft.com/VisualStudio/2011/storyboarding/control">
+  <Id Name="1db21bab-2e49-455d-a248-a2ed4ac34b16" Revision="1" Stencil="System.MyShapes" StencilVersion="1.0"/>
+</Control>
+</file>
+
+<file path=customXml/item36.xml><?xml version="1.0" encoding="utf-8"?>
+<Control xmlns="http://schemas.microsoft.com/VisualStudio/2011/storyboarding/control">
+  <Id Name="System.Storyboarding.WindowsApps.WindowsAppsButton" Revision="1" Stencil="System.Storyboarding.WindowsApps" StencilVersion="0.1"/>
+</Control>
+</file>
+
+<file path=customXml/item37.xml><?xml version="1.0" encoding="utf-8"?>
+<Control xmlns="http://schemas.microsoft.com/VisualStudio/2011/storyboarding/control">
+  <Id Name="73f262a1-ad5d-4f7c-89dc-2f1b4a2d1596" Revision="1" Stencil="System.MyShapes" StencilVersion="1.0"/>
+</Control>
+</file>
+
+<file path=customXml/item38.xml><?xml version="1.0" encoding="utf-8"?>
+<Control xmlns="http://schemas.microsoft.com/VisualStudio/2011/storyboarding/control">
+  <Id Name="System.Storyboarding.Common.Text" Revision="1" Stencil="System.Storyboarding.Common" StencilVersion="0.1"/>
+</Control>
+</file>
+
+<file path=customXml/item39.xml><?xml version="1.0" encoding="utf-8"?>
+<Control xmlns="http://schemas.microsoft.com/VisualStudio/2011/storyboarding/control">
+  <Id Name="System.Storyboarding.Common.Text" Revision="1" Stencil="System.Storyboarding.Common" StencilVersion="0.1"/>
+</Control>
+</file>
+
+<file path=customXml/item4.xml><?xml version="1.0" encoding="utf-8"?>
+<Control xmlns="http://schemas.microsoft.com/VisualStudio/2011/storyboarding/control">
+  <Id Name="fe0ba495-5a2b-4d86-81b3-50ae8c49833a" Revision="1" Stencil="System.MyShapes" StencilVersion="1.0"/>
+</Control>
+</file>
+
+<file path=customXml/item40.xml><?xml version="1.0" encoding="utf-8"?>
+<Control xmlns="http://schemas.microsoft.com/VisualStudio/2011/storyboarding/control">
   <Id Name="be4a962f-5639-40ff-afee-ae619ae00431" Revision="1" Stencil="System.MyShapes" StencilVersion="1.0"/>
 </Control>
 </file>
 
-<file path=customXml/item10.xml><?xml version="1.0" encoding="utf-8"?>
+<file path=customXml/item41.xml><?xml version="1.0" encoding="utf-8"?>
+<Control xmlns="http://schemas.microsoft.com/VisualStudio/2011/storyboarding/control">
+  <Id Name="System.Storyboarding.Common.Text" Revision="1" Stencil="System.Storyboarding.Common" StencilVersion="0.1"/>
+</Control>
+</file>
+
+<file path=customXml/item42.xml><?xml version="1.0" encoding="utf-8"?>
+<Control xmlns="http://schemas.microsoft.com/VisualStudio/2011/storyboarding/control">
+  <Id Name="763d7bfb-b3b8-4ea8-8034-9d9d41d5c82e" Revision="1" Stencil="73a46796-df0d-45d7-b969-0a73a5725b32" StencilVersion="1.0"/>
+</Control>
+</file>
+
+<file path=customXml/item43.xml><?xml version="1.0" encoding="utf-8"?>
+<Control xmlns="http://schemas.microsoft.com/VisualStudio/2011/storyboarding/control">
+  <Id Name="System.Storyboarding.Common.Text" Revision="1" Stencil="System.Storyboarding.Common" StencilVersion="0.1"/>
+</Control>
+</file>
+
+<file path=customXml/item44.xml><?xml version="1.0" encoding="utf-8"?>
+<Control xmlns="http://schemas.microsoft.com/VisualStudio/2011/storyboarding/control">
+  <Id Name="d08b3551-8dac-4957-88da-3c68a32b878a" Revision="1" Stencil="System.MyShapes" StencilVersion="1.0"/>
+</Control>
+</file>
+
+<file path=customXml/item45.xml><?xml version="1.0" encoding="utf-8"?>
+<Control xmlns="http://schemas.microsoft.com/VisualStudio/2011/storyboarding/control">
+  <Id Name="a6fceea2-785b-4af3-9b29-a07fdde3570a" Revision="1" Stencil="6235a8c1-180d-4d2d-9254-7cef0d256c8d" StencilVersion="1.0"/>
+</Control>
+</file>
+
+<file path=customXml/item46.xml><?xml version="1.0" encoding="utf-8"?>
+<Control xmlns="http://schemas.microsoft.com/VisualStudio/2011/storyboarding/control">
+  <Id Name="System.Storyboarding.Common.Text" Revision="1" Stencil="System.Storyboarding.Common" StencilVersion="0.1"/>
+</Control>
+</file>
+
+<file path=customXml/item47.xml><?xml version="1.0" encoding="utf-8"?>
+<Control xmlns="http://schemas.microsoft.com/VisualStudio/2011/storyboarding/control">
+  <Id Name="38cfa72c-e6f4-4d76-afca-47f47f82a518" Revision="1" Stencil="System.MyShapes" StencilVersion="1.0"/>
+</Control>
+</file>
+
+<file path=customXml/item48.xml><?xml version="1.0" encoding="utf-8"?>
 <Control xmlns="http://schemas.microsoft.com/VisualStudio/2011/storyboarding/control">
   <Id Name="ea2bb28d-f946-4f9e-a18c-48da52219cc9" Revision="1" Stencil="System.MyShapes" StencilVersion="1.0"/>
 </Control>
 </file>
 
-<file path=customXml/item100.xml><?xml version="1.0" encoding="utf-8"?>
+<file path=customXml/item49.xml><?xml version="1.0" encoding="utf-8"?>
 <Control xmlns="http://schemas.microsoft.com/VisualStudio/2011/storyboarding/control">
   <Id Name="System.Storyboarding.Common.Text" Revision="1" Stencil="System.Storyboarding.Common" StencilVersion="0.1"/>
 </Control>
 </file>
 
-<file path=customXml/item101.xml><?xml version="1.0" encoding="utf-8"?>
+<file path=customXml/item5.xml><?xml version="1.0" encoding="utf-8"?>
 <Control xmlns="http://schemas.microsoft.com/VisualStudio/2011/storyboarding/control">
   <Id Name="System.Storyboarding.Common.Text" Revision="1" Stencil="System.Storyboarding.Common" StencilVersion="0.1"/>
 </Control>
 </file>
 
-<file path=customXml/item102.xml><?xml version="1.0" encoding="utf-8"?>
-<Control xmlns="http://schemas.microsoft.com/VisualStudio/2011/storyboarding/control">
-  <Id Name="5e505f8e-b0aa-429a-bb4c-92ab0e8a8ee6" RevisionId="d2083f08-ba4f-4330-87aa-e4d23a4443d7" Stencil="172d6d98-e5c9-42e9-a209-79f7a94bbd38" StencilRevisionId="00000000-0000-0000-0000-000000000000" StencilVersion="0.0"/>
-</Control>
-</file>
-
-<file path=customXml/item103.xml><?xml version="1.0" encoding="utf-8"?>
+<file path=customXml/item50.xml><?xml version="1.0" encoding="utf-8"?>
+<Control xmlns="http://schemas.microsoft.com/VisualStudio/2011/storyboarding/control">
+  <Id Name="dba046d6-3008-4d4e-ad50-01add33d0ebc" Revision="1" Stencil="System.MyShapes" StencilVersion="1.0"/>
+</Control>
+</file>
+
+<file path=customXml/item51.xml><?xml version="1.0" encoding="utf-8"?>
+<Control xmlns="http://schemas.microsoft.com/VisualStudio/2011/storyboarding/control">
+  <Id Name="db83a9f8-4879-44ad-a2e7-36d1f653372b" Revision="1" Stencil="System.MyShapes" StencilVersion="1.0"/>
+</Control>
+</file>
+
+<file path=customXml/item52.xml><?xml version="1.0" encoding="utf-8"?>
+<Control xmlns="http://schemas.microsoft.com/VisualStudio/2011/storyboarding/control">
+  <Id Name="System.Storyboarding.WindowsApps.WindowsAppsButton" Revision="1" Stencil="System.Storyboarding.WindowsApps" StencilVersion="0.1"/>
+</Control>
+</file>
+
+<file path=customXml/item53.xml><?xml version="1.0" encoding="utf-8"?>
+<Control xmlns="http://schemas.microsoft.com/VisualStudio/2011/storyboarding/control">
+  <Id Name="b05dc990-afaa-4f32-9c86-af58afa077ed" Revision="1" Stencil="System.MyShapes" StencilVersion="1.0"/>
+</Control>
+</file>
+
+<file path=customXml/item54.xml><?xml version="1.0" encoding="utf-8"?>
+<Control xmlns="http://schemas.microsoft.com/VisualStudio/2011/storyboarding/control">
+  <Id Name="572e4843-1c8b-41d4-8e80-268266a9d619" Revision="1" Stencil="System.MyShapes" StencilVersion="1.0"/>
+</Control>
+</file>
+
+<file path=customXml/item55.xml><?xml version="1.0" encoding="utf-8"?>
+<Control xmlns="http://schemas.microsoft.com/VisualStudio/2011/storyboarding/control">
+  <Id Name="d6afb1a6-3b58-4d37-bc6a-5b40f29f467a" Revision="1" Stencil="System.MyShapes" StencilVersion="1.0"/>
+</Control>
+</file>
+
+<file path=customXml/item56.xml><?xml version="1.0" encoding="utf-8"?>
 <Control xmlns="http://schemas.microsoft.com/VisualStudio/2011/storyboarding/control">
   <Id Name="System.Storyboarding.WindowsApps.WindowsAppsListBox" Revision="1" Stencil="System.Storyboarding.WindowsApps" StencilVersion="0.1"/>
 </Control>
 </file>
 
-<file path=customXml/item11.xml><?xml version="1.0" encoding="utf-8"?>
-<Control xmlns="http://schemas.microsoft.com/VisualStudio/2011/storyboarding/control">
-  <Id Name="e644ec62-951f-41f1-93e9-998002def9df" Revision="1" Stencil="System.MyShapes" StencilVersion="1.0"/>
-</Control>
-</file>
-
-<file path=customXml/item12.xml><?xml version="1.0" encoding="utf-8"?>
-<Control xmlns="http://schemas.microsoft.com/VisualStudio/2011/storyboarding/control">
-  <Id Name="a4c8cdba-5c28-40b4-af00-9176a8159319" Revision="1" Stencil="System.MyShapes" StencilVersion="1.0"/>
-</Control>
-</file>
-
-<file path=customXml/item13.xml><?xml version="1.0" encoding="utf-8"?>
+<file path=customXml/item57.xml><?xml version="1.0" encoding="utf-8"?>
+<Control xmlns="http://schemas.microsoft.com/VisualStudio/2011/storyboarding/control">
+  <Id Name="def5708f-6bb3-4f3c-978d-68685cd89fc3" Revision="1" Stencil="System.MyShapes" StencilVersion="1.0"/>
+</Control>
+</file>
+
+<file path=customXml/item58.xml><?xml version="1.0" encoding="utf-8"?>
+<Control xmlns="http://schemas.microsoft.com/VisualStudio/2011/storyboarding/control">
+  <Id Name="System.Storyboarding.Annotation.AnimatedBanner" Revision="1" Stencil="System.Storyboarding.Annotation" StencilVersion="0.1"/>
+</Control>
+</file>
+
+<file path=customXml/item59.xml><?xml version="1.0" encoding="utf-8"?>
+<Control xmlns="http://schemas.microsoft.com/VisualStudio/2011/storyboarding/control">
+  <Id Name="System.Storyboarding.Common.Text" Revision="1" Stencil="System.Storyboarding.Common" StencilVersion="0.1"/>
+</Control>
+</file>
+
+<file path=customXml/item6.xml><?xml version="1.0" encoding="utf-8"?>
+<Control xmlns="http://schemas.microsoft.com/VisualStudio/2011/storyboarding/control">
+  <Id Name="671c6352-45c2-4674-b104-d897a752bb19" Revision="1" Stencil="System.MyShapes" StencilVersion="1.0"/>
+</Control>
+</file>
+
+<file path=customXml/item60.xml><?xml version="1.0" encoding="utf-8"?>
+<Control xmlns="http://schemas.microsoft.com/VisualStudio/2011/storyboarding/control">
+  <Id Name="System.Storyboarding.Common.Text" Revision="1" Stencil="System.Storyboarding.Common" StencilVersion="0.1"/>
+</Control>
+</file>
+
+<file path=customXml/item61.xml><?xml version="1.0" encoding="utf-8"?>
+<Control xmlns="http://schemas.microsoft.com/VisualStudio/2011/storyboarding/control">
+  <Id Name="507a543a-504e-4ce8-b87a-3daa499678f4" Revision="1" Stencil="System.MyShapes" StencilVersion="1.0"/>
+</Control>
+</file>
+
+<file path=customXml/item62.xml><?xml version="1.0" encoding="utf-8"?>
+<Control xmlns="http://schemas.microsoft.com/VisualStudio/2011/storyboarding/control">
+  <Id Name="0007b991-5383-4e60-bbb1-b6b3eff68a1b" Revision="1" Stencil="System.MyShapes" StencilVersion="1.0"/>
+</Control>
+</file>
+
+<file path=customXml/item63.xml><?xml version="1.0" encoding="utf-8"?>
 <Control xmlns="http://schemas.microsoft.com/VisualStudio/2011/storyboarding/control">
   <Id Name="System.Storyboarding.Common.TextInput" Revision="1" Stencil="System.Storyboarding.Common" StencilVersion="0.1"/>
 </Control>
 </file>
 
-<file path=customXml/item14.xml><?xml version="1.0" encoding="utf-8"?>
+<file path=customXml/item64.xml><?xml version="1.0" encoding="utf-8"?>
+<Control xmlns="http://schemas.microsoft.com/VisualStudio/2011/storyboarding/control">
+  <Id Name="5f70ebf0-4bed-42ba-91b6-6e980312fcc9" Revision="1" Stencil="System.MyShapes" StencilVersion="1.0"/>
+</Control>
+</file>
+
+<file path=customXml/item65.xml><?xml version="1.0" encoding="utf-8"?>
+<Control xmlns="http://schemas.microsoft.com/VisualStudio/2011/storyboarding/control">
+  <Id Name="9d26d1d5-d13d-4e5e-83e0-4881d4a2a748" Revision="1" Stencil="73a46796-df0d-45d7-b969-0a73a5725b32" StencilVersion="1.0"/>
+</Control>
+</file>
+
+<file path=customXml/item66.xml><?xml version="1.0" encoding="utf-8"?>
+<Control xmlns="http://schemas.microsoft.com/VisualStudio/2011/storyboarding/control">
+  <Id Name="System.Storyboarding.Common.TextInput" Revision="1" Stencil="System.Storyboarding.Common" StencilVersion="0.1"/>
+</Control>
+</file>
+
+<file path=customXml/item67.xml><?xml version="1.0" encoding="utf-8"?>
 <Control xmlns="http://schemas.microsoft.com/VisualStudio/2011/storyboarding/control">
   <Id Name="System.Storyboarding.Common.Text" Revision="1" Stencil="System.Storyboarding.Common" StencilVersion="0.1"/>
 </Control>
 </file>
 
-<file path=customXml/item15.xml><?xml version="1.0" encoding="utf-8"?>
-<Control xmlns="http://schemas.microsoft.com/VisualStudio/2011/storyboarding/control">
-  <Id Name="763d7bfb-b3b8-4ea8-8034-9d9d41d5c82e" Revision="1" Stencil="73a46796-df0d-45d7-b969-0a73a5725b32" StencilVersion="1.0"/>
-</Control>
-</file>
-
-<file path=customXml/item16.xml><?xml version="1.0" encoding="utf-8"?>
+<file path=customXml/item68.xml><?xml version="1.0" encoding="utf-8"?>
+<Control xmlns="http://schemas.microsoft.com/VisualStudio/2011/storyboarding/control">
+  <Id Name="23eee3fc-81b5-4884-8cd3-73daba4de254" Revision="1" Stencil="System.MyShapes" StencilVersion="1.0"/>
+</Control>
+</file>
+
+<file path=customXml/item69.xml><?xml version="1.0" encoding="utf-8"?>
+<Control xmlns="http://schemas.microsoft.com/VisualStudio/2011/storyboarding/control">
+  <Id Name="12ec626d-9b32-42e1-bc1d-a61973e22864" Revision="1" Stencil="System.MyShapes" StencilVersion="1.0"/>
+</Control>
+</file>
+
+<file path=customXml/item7.xml><?xml version="1.0" encoding="utf-8"?>
+<Control xmlns="http://schemas.microsoft.com/VisualStudio/2011/storyboarding/control">
+  <Id Name="d6afb1a6-3b58-4d37-bc6a-5b40f29f467a" Revision="1" Stencil="System.MyShapes" StencilVersion="1.0"/>
+</Control>
+</file>
+
+<file path=customXml/item70.xml><?xml version="1.0" encoding="utf-8"?>
+<Control xmlns="http://schemas.microsoft.com/VisualStudio/2011/storyboarding/control">
+  <Id Name="System.Storyboarding.Common.Text" Revision="1" Stencil="System.Storyboarding.Common" StencilVersion="0.1"/>
+</Control>
+</file>
+
+<file path=customXml/item71.xml><?xml version="1.0" encoding="utf-8"?>
+<Control xmlns="http://schemas.microsoft.com/VisualStudio/2011/storyboarding/control">
+  <Id Name="848913c9-3fa1-49db-82fc-0ba7a3d4c1cc" Revision="1" Stencil="System.MyShapes" StencilVersion="1.0"/>
+</Control>
+</file>
+
+<file path=customXml/item72.xml><?xml version="1.0" encoding="utf-8"?>
+<Control xmlns="http://schemas.microsoft.com/VisualStudio/2011/storyboarding/control">
+  <Id Name="d6afb1a6-3b58-4d37-bc6a-5b40f29f467a" Revision="1" Stencil="System.MyShapes" StencilVersion="1.0"/>
+</Control>
+</file>
+
+<file path=customXml/item73.xml><?xml version="1.0" encoding="utf-8"?>
+<Control xmlns="http://schemas.microsoft.com/VisualStudio/2011/storyboarding/control">
+  <Id Name="System.Storyboarding.Common.Text" Revision="1" Stencil="System.Storyboarding.Common" StencilVersion="0.1"/>
+</Control>
+</file>
+
+<file path=customXml/item74.xml><?xml version="1.0" encoding="utf-8"?>
+<Control xmlns="http://schemas.microsoft.com/VisualStudio/2011/storyboarding/control">
+  <Id Name="3ec16a56-2d48-4bfb-9016-0953a12d9e02" Revision="1" Stencil="System.MyShapes" StencilVersion="1.0"/>
+</Control>
+</file>
+
+<file path=customXml/item75.xml><?xml version="1.0" encoding="utf-8"?>
+<Control xmlns="http://schemas.microsoft.com/VisualStudio/2011/storyboarding/control">
+  <Id Name="c4dcad02-41a7-4c2e-9be0-030dfceda4b6" Revision="1" Stencil="System.MyShapes" StencilVersion="1.0"/>
+</Control>
+</file>
+
+<file path=customXml/item76.xml><?xml version="1.0" encoding="utf-8"?>
+<Control xmlns="http://schemas.microsoft.com/VisualStudio/2011/storyboarding/control">
+  <Id Name="System.Storyboarding.Common.Text" Revision="1" Stencil="System.Storyboarding.Common" StencilVersion="0.1"/>
+</Control>
+</file>
+
+<file path=customXml/item77.xml><?xml version="1.0" encoding="utf-8"?>
+<Control xmlns="http://schemas.microsoft.com/VisualStudio/2011/storyboarding/control">
+  <Id Name="c8c5484a-d330-4a07-905e-c3b292307275" Revision="1" Stencil="System.MyShapes" StencilVersion="1.0"/>
+</Control>
+</file>
+
+<file path=customXml/item78.xml><?xml version="1.0" encoding="utf-8"?>
+<Control xmlns="http://schemas.microsoft.com/VisualStudio/2011/storyboarding/control">
+  <Id Name="d6afb1a6-3b58-4d37-bc6a-5b40f29f467a" Revision="1" Stencil="System.MyShapes" StencilVersion="1.0"/>
+</Control>
+</file>
+
+<file path=customXml/item79.xml><?xml version="1.0" encoding="utf-8"?>
+<Control xmlns="http://schemas.microsoft.com/VisualStudio/2011/storyboarding/control">
+  <Id Name="cd8b1acd-a0b3-4fcc-8812-e91a42f4cbec" Revision="1" Stencil="System.MyShapes" StencilVersion="1.0"/>
+</Control>
+</file>
+
+<file path=customXml/item8.xml><?xml version="1.0" encoding="utf-8"?>
+<Control xmlns="http://schemas.microsoft.com/VisualStudio/2011/storyboarding/control">
+  <Id Name="System.Storyboarding.Common.Text" Revision="1" Stencil="System.Storyboarding.Common" StencilVersion="0.1"/>
+</Control>
+</file>
+
+<file path=customXml/item80.xml><?xml version="1.0" encoding="utf-8"?>
+<Control xmlns="http://schemas.microsoft.com/VisualStudio/2011/storyboarding/control">
+  <Id Name="cda512d8-eee5-4c74-9e08-3d1f5e818a57" Revision="1" Stencil="System.MyShapes" StencilVersion="1.0"/>
+</Control>
+</file>
+
+<file path=customXml/item81.xml><?xml version="1.0" encoding="utf-8"?>
+<Control xmlns="http://schemas.microsoft.com/VisualStudio/2011/storyboarding/control">
+  <Id Name="System.Storyboarding.Common.MouseClick" Revision="1" Stencil="System.Storyboarding.Common" StencilVersion="0.1"/>
+</Control>
+</file>
+
+<file path=customXml/item82.xml><?xml version="1.0" encoding="utf-8"?>
+<Control xmlns="http://schemas.microsoft.com/VisualStudio/2011/storyboarding/control">
+  <Id Name="d6afb1a6-3b58-4d37-bc6a-5b40f29f467a" Revision="1" Stencil="System.MyShapes" StencilVersion="1.0"/>
+</Control>
+</file>
+
+<file path=customXml/item83.xml><?xml version="1.0" encoding="utf-8"?>
+<Control xmlns="http://schemas.microsoft.com/VisualStudio/2011/storyboarding/control">
+  <Id Name="894202db-c4e1-49f5-a63d-5ac7b86071de" Revision="1" Stencil="System.MyShapes" StencilVersion="1.0"/>
+</Control>
+</file>
+
+<file path=customXml/item84.xml><?xml version="1.0" encoding="utf-8"?>
+<Control xmlns="http://schemas.microsoft.com/VisualStudio/2011/storyboarding/control">
+  <Id Name="System.Storyboarding.Common.Text" Revision="1" Stencil="System.Storyboarding.Common" StencilVersion="0.1"/>
+</Control>
+</file>
+
+<file path=customXml/item85.xml><?xml version="1.0" encoding="utf-8"?>
+<Control xmlns="http://schemas.microsoft.com/VisualStudio/2011/storyboarding/control">
+  <Id Name="35fa5226-48b9-498f-82d8-62b2a0d3d74a" Revision="1" Stencil="System.MyShapes" StencilVersion="1.0"/>
+</Control>
+</file>
+
+<file path=customXml/item86.xml><?xml version="1.0" encoding="utf-8"?>
+<Control xmlns="http://schemas.microsoft.com/VisualStudio/2011/storyboarding/control">
+  <Id Name="50582194-912b-4a53-9392-307b6ec09850" Revision="1" Stencil="System.MyShapes" StencilVersion="1.0"/>
+</Control>
+</file>
+
+<file path=customXml/item87.xml><?xml version="1.0" encoding="utf-8"?>
+<Control xmlns="http://schemas.microsoft.com/VisualStudio/2011/storyboarding/control">
+  <Id Name="3e444f48-e0fa-483f-9a3b-b7349051a235" Revision="1" Stencil="System.MyShapes" StencilVersion="1.0"/>
+</Control>
+</file>
+
+<file path=customXml/item88.xml><?xml version="1.0" encoding="utf-8"?>
+<Control xmlns="http://schemas.microsoft.com/VisualStudio/2011/storyboarding/control">
+  <Id Name="System.Storyboarding.Common.Text" Revision="1" Stencil="System.Storyboarding.Common" StencilVersion="0.1"/>
+</Control>
+</file>
+
+<file path=customXml/item89.xml><?xml version="1.0" encoding="utf-8"?>
+<Control xmlns="http://schemas.microsoft.com/VisualStudio/2011/storyboarding/control">
+  <Id Name="System.Storyboarding.Common.Text" Revision="1" Stencil="System.Storyboarding.Common" StencilVersion="0.1"/>
+</Control>
+</file>
+
+<file path=customXml/item9.xml><?xml version="1.0" encoding="utf-8"?>
 <Control xmlns="http://schemas.microsoft.com/VisualStudio/2011/storyboarding/control">
   <Id Name="System.Storyboarding.Backgrounds.Window" Revision="1" Stencil="System.Storyboarding.Backgrounds" StencilVersion="0.1"/>
 </Control>
 </file>
 
-<file path=customXml/item17.xml><?xml version="1.0" encoding="utf-8"?>
+<file path=customXml/item90.xml><?xml version="1.0" encoding="utf-8"?>
+<Control xmlns="http://schemas.microsoft.com/VisualStudio/2011/storyboarding/control">
+  <Id Name="c2a6c236-44aa-4e49-94e6-458a041806b2" Revision="1" Stencil="System.MyShapes" StencilVersion="1.0"/>
+</Control>
+</file>
+
+<file path=customXml/item91.xml><?xml version="1.0" encoding="utf-8"?>
 <Control xmlns="http://schemas.microsoft.com/VisualStudio/2011/storyboarding/control">
   <Id Name="System.Storyboarding.Common.TextInput" Revision="1" Stencil="System.Storyboarding.Common" StencilVersion="0.1"/>
 </Control>
 </file>
 
-<file path=customXml/item18.xml><?xml version="1.0" encoding="utf-8"?>
-<Control xmlns="http://schemas.microsoft.com/VisualStudio/2011/storyboarding/control">
-  <Id Name="5f70ebf0-4bed-42ba-91b6-6e980312fcc9" Revision="1" Stencil="System.MyShapes" StencilVersion="1.0"/>
-</Control>
-</file>
-
-<file path=customXml/item19.xml><?xml version="1.0" encoding="utf-8"?>
-<Control xmlns="http://schemas.microsoft.com/VisualStudio/2011/storyboarding/control">
-  <Id Name="894202db-c4e1-49f5-a63d-5ac7b86071de" Revision="1" Stencil="System.MyShapes" StencilVersion="1.0"/>
-</Control>
-</file>
-
-<file path=customXml/item2.xml><?xml version="1.0" encoding="utf-8"?>
-<Control xmlns="http://schemas.microsoft.com/VisualStudio/2011/storyboarding/control">
-  <Id Name="3ec16a56-2d48-4bfb-9016-0953a12d9e02" Revision="1" Stencil="System.MyShapes" StencilVersion="1.0"/>
-</Control>
-</file>
-
-<file path=customXml/item20.xml><?xml version="1.0" encoding="utf-8"?>
+<file path=customXml/item92.xml><?xml version="1.0" encoding="utf-8"?>
+<Control xmlns="http://schemas.microsoft.com/VisualStudio/2011/storyboarding/control">
+  <Id Name="13da92eb-36f7-4899-8771-871fa0c57dd5" Revision="1" Stencil="System.MyShapes" StencilVersion="1.0"/>
+</Control>
+</file>
+
+<file path=customXml/item93.xml><?xml version="1.0" encoding="utf-8"?>
+<Control xmlns="http://schemas.microsoft.com/VisualStudio/2011/storyboarding/control">
+  <Id Name="System.Storyboarding.Backgrounds.Window" Revision="1" Stencil="System.Storyboarding.Backgrounds" StencilVersion="0.1"/>
+</Control>
+</file>
+
+<file path=customXml/item94.xml><?xml version="1.0" encoding="utf-8"?>
+<Control xmlns="http://schemas.microsoft.com/VisualStudio/2011/storyboarding/control">
+  <Id Name="System.Storyboarding.Common.Text" Revision="1" Stencil="System.Storyboarding.Common" StencilVersion="0.1"/>
+</Control>
+</file>
+
+<file path=customXml/item95.xml><?xml version="1.0" encoding="utf-8"?>
+<Control xmlns="http://schemas.microsoft.com/VisualStudio/2011/storyboarding/control">
+  <Id Name="8393e61c-f709-40a6-9ecf-3ffc1c3b62ff" Revision="1" Stencil="System.MyShapes" StencilVersion="1.0"/>
+</Control>
+</file>
+
+<file path=customXml/item96.xml><?xml version="1.0" encoding="utf-8"?>
 <Control xmlns="http://schemas.microsoft.com/VisualStudio/2011/storyboarding/control">
   <Id Name="d6afb1a6-3b58-4d37-bc6a-5b40f29f467a" Revision="1" Stencil="System.MyShapes" StencilVersion="1.0"/>
 </Control>
 </file>
 
-<file path=customXml/item21.xml><?xml version="1.0" encoding="utf-8"?>
-<Control xmlns="http://schemas.microsoft.com/VisualStudio/2011/storyboarding/control">
-  <Id Name="a60a68cf-4428-4c9a-a248-acdc50cfeb51" Revision="1" Stencil="System.MyShapes" StencilVersion="1.0"/>
-</Control>
-</file>
-
-<file path=customXml/item22.xml><?xml version="1.0" encoding="utf-8"?>
-<Control xmlns="http://schemas.microsoft.com/VisualStudio/2011/storyboarding/control">
-  <Id Name="System.Storyboarding.Common.Text" Revision="1" Stencil="System.Storyboarding.Common" StencilVersion="0.1"/>
-</Control>
-</file>
-
-<file path=customXml/item23.xml><?xml version="1.0" encoding="utf-8"?>
-<Control xmlns="http://schemas.microsoft.com/VisualStudio/2011/storyboarding/control">
-  <Id Name="System.Storyboarding.Common.Text" Revision="1" Stencil="System.Storyboarding.Common" StencilVersion="0.1"/>
-</Control>
-</file>
-
-<file path=customXml/item24.xml><?xml version="1.0" encoding="utf-8"?>
-<Control xmlns="http://schemas.microsoft.com/VisualStudio/2011/storyboarding/control">
-  <Id Name="System.Storyboarding.Common.Text" Revision="1" Stencil="System.Storyboarding.Common" StencilVersion="0.1"/>
-</Control>
-</file>
-
-<file path=customXml/item25.xml><?xml version="1.0" encoding="utf-8"?>
+<file path=customXml/item97.xml><?xml version="1.0" encoding="utf-8"?>
+<Control xmlns="http://schemas.microsoft.com/VisualStudio/2011/storyboarding/control">
+  <Id Name="0f766124-02b8-4ae8-811e-7721b0fa990c" Revision="1" Stencil="System.MyShapes" StencilVersion="1.0"/>
+</Control>
+</file>
+
+<file path=customXml/item98.xml><?xml version="1.0" encoding="utf-8"?>
+<Control xmlns="http://schemas.microsoft.com/VisualStudio/2011/storyboarding/control">
+  <Id Name="d798c5a9-5163-4855-ad19-f3d506dea7a4" Revision="1" Stencil="System.MyShapes" StencilVersion="1.0"/>
+</Control>
+</file>
+
+<file path=customXml/item99.xml><?xml version="1.0" encoding="utf-8"?>
 <Control xmlns="http://schemas.microsoft.com/VisualStudio/2011/storyboarding/control">
   <Id Name="d6afb1a6-3b58-4d37-bc6a-5b40f29f467a" Revision="1" Stencil="System.MyShapes" StencilVersion="1.0"/>
 </Control>
 </file>
 
-<file path=customXml/item26.xml><?xml version="1.0" encoding="utf-8"?>
-<Control xmlns="http://schemas.microsoft.com/VisualStudio/2011/storyboarding/control">
-  <Id Name="e07fad4f-52ca-4dc6-bc35-72e3fd18fcb6" Revision="1" Stencil="System.MyShapes" StencilVersion="1.0"/>
-</Control>
-</file>
-
-<file path=customXml/item27.xml><?xml version="1.0" encoding="utf-8"?>
-<Control xmlns="http://schemas.microsoft.com/VisualStudio/2011/storyboarding/control">
-  <Id Name="d6afb1a6-3b58-4d37-bc6a-5b40f29f467a" Revision="1" Stencil="System.MyShapes" StencilVersion="1.0"/>
-</Control>
-</file>
-
-<file path=customXml/item28.xml><?xml version="1.0" encoding="utf-8"?>
-<Control xmlns="http://schemas.microsoft.com/VisualStudio/2011/storyboarding/control">
-  <Id Name="d08b3551-8dac-4957-88da-3c68a32b878a" Revision="1" Stencil="System.MyShapes" StencilVersion="1.0"/>
-</Control>
-</file>
-
-<file path=customXml/item29.xml><?xml version="1.0" encoding="utf-8"?>
-<Control xmlns="http://schemas.microsoft.com/VisualStudio/2011/storyboarding/control">
-  <Id Name="c4dcad02-41a7-4c2e-9be0-030dfceda4b6" Revision="1" Stencil="System.MyShapes" StencilVersion="1.0"/>
-</Control>
-</file>
-
-<file path=customXml/item3.xml><?xml version="1.0" encoding="utf-8"?>
-<Control xmlns="http://schemas.microsoft.com/VisualStudio/2011/storyboarding/control">
-  <Id Name="8393e61c-f709-40a6-9ecf-3ffc1c3b62ff" Revision="1" Stencil="System.MyShapes" StencilVersion="1.0"/>
-</Control>
-</file>
-
-<file path=customXml/item30.xml><?xml version="1.0" encoding="utf-8"?>
-<Control xmlns="http://schemas.microsoft.com/VisualStudio/2011/storyboarding/control">
-  <Id Name="35fa5226-48b9-498f-82d8-62b2a0d3d74a" Revision="1" Stencil="System.MyShapes" StencilVersion="1.0"/>
-</Control>
-</file>
-
-<file path=customXml/item31.xml><?xml version="1.0" encoding="utf-8"?>
-<Control xmlns="http://schemas.microsoft.com/VisualStudio/2011/storyboarding/control">
-  <Id Name="System.Storyboarding.Common.Text" Revision="1" Stencil="System.Storyboarding.Common" StencilVersion="0.1"/>
-</Control>
-</file>
-
-<file path=customXml/item32.xml><?xml version="1.0" encoding="utf-8"?>
-<Control xmlns="http://schemas.microsoft.com/VisualStudio/2011/storyboarding/control">
-  <Id Name="System.Storyboarding.WindowsApps.WindowsAppsButton" Revision="1" Stencil="System.Storyboarding.WindowsApps" StencilVersion="0.1"/>
-</Control>
-</file>
-
-<file path=customXml/item33.xml><?xml version="1.0" encoding="utf-8"?>
-<Control xmlns="http://schemas.microsoft.com/VisualStudio/2011/storyboarding/control">
-  <Id Name="System.Storyboarding.Annotation.AnimatedBanner" Revision="1" Stencil="System.Storyboarding.Annotation" StencilVersion="0.1"/>
-</Control>
-</file>
-
-<file path=customXml/item34.xml><?xml version="1.0" encoding="utf-8"?>
-<Control xmlns="http://schemas.microsoft.com/VisualStudio/2011/storyboarding/control">
-  <Id Name="System.Storyboarding.Common.TextInput" Revision="1" Stencil="System.Storyboarding.Common" StencilVersion="0.1"/>
-</Control>
-</file>
-
-<file path=customXml/item35.xml><?xml version="1.0" encoding="utf-8"?>
-<Control xmlns="http://schemas.microsoft.com/VisualStudio/2011/storyboarding/control">
-  <Id Name="50582194-912b-4a53-9392-307b6ec09850" Revision="1" Stencil="System.MyShapes" StencilVersion="1.0"/>
-</Control>
-</file>
-
-<file path=customXml/item36.xml><?xml version="1.0" encoding="utf-8"?>
-<Control xmlns="http://schemas.microsoft.com/VisualStudio/2011/storyboarding/control">
-  <Id Name="a6fceea2-785b-4af3-9b29-a07fdde3570a" Revision="1" Stencil="6235a8c1-180d-4d2d-9254-7cef0d256c8d" StencilVersion="1.0"/>
-</Control>
-</file>
-
-<file path=customXml/item37.xml><?xml version="1.0" encoding="utf-8"?>
-<Control xmlns="http://schemas.microsoft.com/VisualStudio/2011/storyboarding/control">
-  <Id Name="03212658-6cac-4c2c-9939-d48fe8ca6103" Revision="1" Stencil="System.MyShapes" StencilVersion="1.0"/>
-</Control>
-</file>
-
-<file path=customXml/item38.xml><?xml version="1.0" encoding="utf-8"?>
-<Control xmlns="http://schemas.microsoft.com/VisualStudio/2011/storyboarding/control">
-  <Id Name="380c64ca-747a-4933-925e-7f56f627b15f" Revision="1" Stencil="System.MyShapes" StencilVersion="1.0"/>
-</Control>
-</file>
-
-<file path=customXml/item39.xml><?xml version="1.0" encoding="utf-8"?>
-<Control xmlns="http://schemas.microsoft.com/VisualStudio/2011/storyboarding/control">
-  <Id Name="9d26d1d5-d13d-4e5e-83e0-4881d4a2a748" Revision="1" Stencil="73a46796-df0d-45d7-b969-0a73a5725b32" StencilVersion="1.0"/>
-</Control>
-</file>
-
-<file path=customXml/item4.xml><?xml version="1.0" encoding="utf-8"?>
-<Control xmlns="http://schemas.microsoft.com/VisualStudio/2011/storyboarding/control">
-  <Id Name="507a543a-504e-4ce8-b87a-3daa499678f4" Revision="1" Stencil="System.MyShapes" StencilVersion="1.0"/>
-</Control>
-</file>
-
-<file path=customXml/item40.xml><?xml version="1.0" encoding="utf-8"?>
-<Control xmlns="http://schemas.microsoft.com/VisualStudio/2011/storyboarding/control">
-  <Id Name="c8c5484a-d330-4a07-905e-c3b292307275" Revision="1" Stencil="System.MyShapes" StencilVersion="1.0"/>
-</Control>
-</file>
-
-<file path=customXml/item41.xml><?xml version="1.0" encoding="utf-8"?>
-<Control xmlns="http://schemas.microsoft.com/VisualStudio/2011/storyboarding/control">
-  <Id Name="7029ca72-bf2d-478e-861d-f2aa5ad408fc" Revision="1" Stencil="System.MyShapes" StencilVersion="1.0"/>
-</Control>
-</file>
-
-<file path=customXml/item42.xml><?xml version="1.0" encoding="utf-8"?>
-<Control xmlns="http://schemas.microsoft.com/VisualStudio/2011/storyboarding/control">
-  <Id Name="32b76eba-850f-4144-83be-f0e6effe6d28" Revision="1" Stencil="System.MyShapes" StencilVersion="1.0"/>
-</Control>
-</file>
-
-<file path=customXml/item43.xml><?xml version="1.0" encoding="utf-8"?>
-<Control xmlns="http://schemas.microsoft.com/VisualStudio/2011/storyboarding/control">
-  <Id Name="6c0b7038-1d69-4576-9d84-f7627727466f" Revision="1" Stencil="System.MyShapes" StencilVersion="1.0"/>
-</Control>
-</file>
-
-<file path=customXml/item44.xml><?xml version="1.0" encoding="utf-8"?>
-<Control xmlns="http://schemas.microsoft.com/VisualStudio/2011/storyboarding/control">
-  <Id Name="dba046d6-3008-4d4e-ad50-01add33d0ebc" Revision="1" Stencil="System.MyShapes" StencilVersion="1.0"/>
-</Control>
-</file>
-
-<file path=customXml/item45.xml><?xml version="1.0" encoding="utf-8"?>
-<Control xmlns="http://schemas.microsoft.com/VisualStudio/2011/storyboarding/control">
-  <Id Name="d6afb1a6-3b58-4d37-bc6a-5b40f29f467a" Revision="1" Stencil="System.MyShapes" StencilVersion="1.0"/>
-</Control>
-</file>
-
-<file path=customXml/item46.xml><?xml version="1.0" encoding="utf-8"?>
-<Control xmlns="http://schemas.microsoft.com/VisualStudio/2011/storyboarding/control">
-  <Id Name="0f766124-02b8-4ae8-811e-7721b0fa990c" Revision="1" Stencil="System.MyShapes" StencilVersion="1.0"/>
-</Control>
-</file>
-
-<file path=customXml/item47.xml><?xml version="1.0" encoding="utf-8"?>
-<Control xmlns="http://schemas.microsoft.com/VisualStudio/2011/storyboarding/control">
-  <Id Name="fe0ba495-5a2b-4d86-81b3-50ae8c49833a" Revision="1" Stencil="System.MyShapes" StencilVersion="1.0"/>
-</Control>
-</file>
-
-<file path=customXml/item48.xml><?xml version="1.0" encoding="utf-8"?>
-<Control xmlns="http://schemas.microsoft.com/VisualStudio/2011/storyboarding/control">
-  <Id Name="System.Storyboarding.Common.TextInput" Revision="1" Stencil="System.Storyboarding.Common" StencilVersion="0.1"/>
-</Control>
-</file>
-
-<file path=customXml/item49.xml><?xml version="1.0" encoding="utf-8"?>
-<Control xmlns="http://schemas.microsoft.com/VisualStudio/2011/storyboarding/control">
-  <Id Name="System.Storyboarding.Common.Text" Revision="1" Stencil="System.Storyboarding.Common" StencilVersion="0.1"/>
-</Control>
-</file>
-
-<file path=customXml/item5.xml><?xml version="1.0" encoding="utf-8"?>
-<Control xmlns="http://schemas.microsoft.com/VisualStudio/2011/storyboarding/control">
-  <Id Name="System.Storyboarding.Backgrounds.Window" Revision="1" Stencil="System.Storyboarding.Backgrounds" StencilVersion="0.1"/>
-</Control>
-</file>
-
-<file path=customXml/item50.xml><?xml version="1.0" encoding="utf-8"?>
-<Control xmlns="http://schemas.microsoft.com/VisualStudio/2011/storyboarding/control">
-  <Id Name="System.Storyboarding.Common.Text" Revision="1" Stencil="System.Storyboarding.Common" StencilVersion="0.1"/>
-</Control>
-</file>
-
-<file path=customXml/item51.xml><?xml version="1.0" encoding="utf-8"?>
-<Control xmlns="http://schemas.microsoft.com/VisualStudio/2011/storyboarding/control">
-  <Id Name="System.Storyboarding.Common.TextInput" Revision="1" Stencil="System.Storyboarding.Common" StencilVersion="0.1"/>
-</Control>
-</file>
-
-<file path=customXml/item52.xml><?xml version="1.0" encoding="utf-8"?>
-<Control xmlns="http://schemas.microsoft.com/VisualStudio/2011/storyboarding/control">
-  <Id Name="db83a9f8-4879-44ad-a2e7-36d1f653372b" Revision="1" Stencil="System.MyShapes" StencilVersion="1.0"/>
-</Control>
-</file>
-
-<file path=customXml/item53.xml><?xml version="1.0" encoding="utf-8"?>
-<Control xmlns="http://schemas.microsoft.com/VisualStudio/2011/storyboarding/control">
-  <Id Name="0c1b016f-41ba-4c62-871a-86522beec260" Revision="1" Stencil="System.MyShapes" StencilVersion="1.0"/>
-</Control>
-</file>
-
-<file path=customXml/item54.xml><?xml version="1.0" encoding="utf-8"?>
-<Control xmlns="http://schemas.microsoft.com/VisualStudio/2011/storyboarding/control">
-  <Id Name="1db21bab-2e49-455d-a248-a2ed4ac34b16" Revision="1" Stencil="System.MyShapes" StencilVersion="1.0"/>
-</Control>
-</file>
-
-<file path=customXml/item55.xml><?xml version="1.0" encoding="utf-8"?>
-<Control xmlns="http://schemas.microsoft.com/VisualStudio/2011/storyboarding/control">
-  <Id Name="23eee3fc-81b5-4884-8cd3-73daba4de254" Revision="1" Stencil="System.MyShapes" StencilVersion="1.0"/>
-</Control>
-</file>
-
-<file path=customXml/item56.xml><?xml version="1.0" encoding="utf-8"?>
-<Control xmlns="http://schemas.microsoft.com/VisualStudio/2011/storyboarding/control">
-  <Id Name="3e444f48-e0fa-483f-9a3b-b7349051a235" Revision="1" Stencil="System.MyShapes" StencilVersion="1.0"/>
-</Control>
-</file>
-
-<file path=customXml/item57.xml><?xml version="1.0" encoding="utf-8"?>
-<Control xmlns="http://schemas.microsoft.com/VisualStudio/2011/storyboarding/control">
-  <Id Name="38cfa72c-e6f4-4d76-afca-47f47f82a518" Revision="1" Stencil="System.MyShapes" StencilVersion="1.0"/>
-</Control>
-</file>
-
-<file path=customXml/item58.xml><?xml version="1.0" encoding="utf-8"?>
-<Control xmlns="http://schemas.microsoft.com/VisualStudio/2011/storyboarding/control">
-  <Id Name="0bfeed95-8ffe-40e3-8ce4-881aaaa08d96" Revision="1" Stencil="System.MyShapes" StencilVersion="1.0"/>
-</Control>
-</file>
-
-<file path=customXml/item59.xml><?xml version="1.0" encoding="utf-8"?>
-<Control xmlns="http://schemas.microsoft.com/VisualStudio/2011/storyboarding/control">
-  <Id Name="d6afb1a6-3b58-4d37-bc6a-5b40f29f467a" Revision="1" Stencil="System.MyShapes" StencilVersion="1.0"/>
-</Control>
-</file>
-
-<file path=customXml/item6.xml><?xml version="1.0" encoding="utf-8"?>
-<Control xmlns="http://schemas.microsoft.com/VisualStudio/2011/storyboarding/control">
-  <Id Name="System.Storyboarding.Common.Text" Revision="1" Stencil="System.Storyboarding.Common" StencilVersion="0.1"/>
-</Control>
-</file>
-
-<file path=customXml/item60.xml><?xml version="1.0" encoding="utf-8"?>
-<Control xmlns="http://schemas.microsoft.com/VisualStudio/2011/storyboarding/control">
-  <Id Name="System.Storyboarding.WindowsApps.WindowsAppsButton" Revision="1" Stencil="System.Storyboarding.WindowsApps" StencilVersion="0.1"/>
-</Control>
-</file>
-
-<file path=customXml/item61.xml><?xml version="1.0" encoding="utf-8"?>
-<Control xmlns="http://schemas.microsoft.com/VisualStudio/2011/storyboarding/control">
-  <Id Name="System.Storyboarding.Common.MouseClick" Revision="1" Stencil="System.Storyboarding.Common" StencilVersion="0.1"/>
-</Control>
-</file>
-
-<file path=customXml/item62.xml><?xml version="1.0" encoding="utf-8"?>
-<Control xmlns="http://schemas.microsoft.com/VisualStudio/2011/storyboarding/control">
-  <Id Name="763d7bfb-b3b8-4ea8-8034-9d9d41d5c82e" Revision="1" Stencil="System.MyShapes" StencilVersion="1.0"/>
-</Control>
-</file>
-
-<file path=customXml/item63.xml><?xml version="1.0" encoding="utf-8"?>
-<Control xmlns="http://schemas.microsoft.com/VisualStudio/2011/storyboarding/control">
-  <Id Name="System.Storyboarding.Common.Text" Revision="1" Stencil="System.Storyboarding.Common" StencilVersion="0.1"/>
-</Control>
-</file>
-
-<file path=customXml/item64.xml><?xml version="1.0" encoding="utf-8"?>
-<Control xmlns="http://schemas.microsoft.com/VisualStudio/2011/storyboarding/control">
-  <Id Name="5e505f8e-b0aa-429a-bb4c-92ab0e8a8ee6" RevisionId="d2083f08-ba4f-4330-87aa-e4d23a4443d7" Stencil="172d6d98-e5c9-42e9-a209-79f7a94bbd38" StencilRevisionId="00000000-0000-0000-0000-000000000000" StencilVersion="0.0"/>
-</Control>
-</file>
-
-<file path=customXml/item65.xml><?xml version="1.0" encoding="utf-8"?>
-<Control xmlns="http://schemas.microsoft.com/VisualStudio/2011/storyboarding/control">
-  <Id Name="b05dc990-afaa-4f32-9c86-af58afa077ed" Revision="1" Stencil="System.MyShapes" StencilVersion="1.0"/>
-</Control>
-</file>
-
-<file path=customXml/item66.xml><?xml version="1.0" encoding="utf-8"?>
-<Control xmlns="http://schemas.microsoft.com/VisualStudio/2011/storyboarding/control">
-  <Id Name="cd8b1acd-a0b3-4fcc-8812-e91a42f4cbec" Revision="1" Stencil="System.MyShapes" StencilVersion="1.0"/>
-</Control>
-</file>
-
-<file path=customXml/item67.xml><?xml version="1.0" encoding="utf-8"?>
-<Control xmlns="http://schemas.microsoft.com/VisualStudio/2011/storyboarding/control">
-  <Id Name="d798c5a9-5163-4855-ad19-f3d506dea7a4" Revision="1" Stencil="System.MyShapes" StencilVersion="1.0"/>
-</Control>
-</file>
-
-<file path=customXml/item68.xml><?xml version="1.0" encoding="utf-8"?>
-<Control xmlns="http://schemas.microsoft.com/VisualStudio/2011/storyboarding/control">
-  <Id Name="671c6352-45c2-4674-b104-d897a752bb19" Revision="1" Stencil="System.MyShapes" StencilVersion="1.0"/>
-</Control>
-</file>
-
-<file path=customXml/item69.xml><?xml version="1.0" encoding="utf-8"?>
-<Control xmlns="http://schemas.microsoft.com/VisualStudio/2011/storyboarding/control">
-  <Id Name="c9b3bcdd-468e-4f29-a6f4-f9016a00dc8c" Revision="1" Stencil="System.MyShapes" StencilVersion="1.0"/>
-</Control>
-</file>
-
-<file path=customXml/item7.xml><?xml version="1.0" encoding="utf-8"?>
-<Control xmlns="http://schemas.microsoft.com/VisualStudio/2011/storyboarding/control">
-  <Id Name="848913c9-3fa1-49db-82fc-0ba7a3d4c1cc" Revision="1" Stencil="System.MyShapes" StencilVersion="1.0"/>
-</Control>
-</file>
-
-<file path=customXml/item70.xml><?xml version="1.0" encoding="utf-8"?>
-<Control xmlns="http://schemas.microsoft.com/VisualStudio/2011/storyboarding/control">
-  <Id Name="System.Storyboarding.WindowsApps.WindowsAppsButton" Revision="1" Stencil="System.Storyboarding.WindowsApps" StencilVersion="0.1"/>
-</Control>
-</file>
-
-<file path=customXml/item71.xml><?xml version="1.0" encoding="utf-8"?>
-<Control xmlns="http://schemas.microsoft.com/VisualStudio/2011/storyboarding/control">
-  <Id Name="d6afb1a6-3b58-4d37-bc6a-5b40f29f467a" Revision="1" Stencil="System.MyShapes" StencilVersion="1.0"/>
-</Control>
-</file>
-
-<file path=customXml/item72.xml><?xml version="1.0" encoding="utf-8"?>
-<Control xmlns="http://schemas.microsoft.com/VisualStudio/2011/storyboarding/control">
-  <Id Name="13da92eb-36f7-4899-8771-871fa0c57dd5" Revision="1" Stencil="System.MyShapes" StencilVersion="1.0"/>
-</Control>
-</file>
-
-<file path=customXml/item73.xml><?xml version="1.0" encoding="utf-8"?>
-<Control xmlns="http://schemas.microsoft.com/VisualStudio/2011/storyboarding/control">
-  <Id Name="572e4843-1c8b-41d4-8e80-268266a9d619" Revision="1" Stencil="System.MyShapes" StencilVersion="1.0"/>
-</Control>
-</file>
-
-<file path=customXml/item74.xml><?xml version="1.0" encoding="utf-8"?>
-<Control xmlns="http://schemas.microsoft.com/VisualStudio/2011/storyboarding/control">
-  <Id Name="d6afb1a6-3b58-4d37-bc6a-5b40f29f467a" Revision="1" Stencil="System.MyShapes" StencilVersion="1.0"/>
-</Control>
-</file>
-
-<file path=customXml/item75.xml><?xml version="1.0" encoding="utf-8"?>
-<Control xmlns="http://schemas.microsoft.com/VisualStudio/2011/storyboarding/control">
-  <Id Name="73f262a1-ad5d-4f7c-89dc-2f1b4a2d1596" Revision="1" Stencil="System.MyShapes" StencilVersion="1.0"/>
-</Control>
-</file>
-
-<file path=customXml/item76.xml><?xml version="1.0" encoding="utf-8"?>
-<Control xmlns="http://schemas.microsoft.com/VisualStudio/2011/storyboarding/control">
-  <Id Name="12ec626d-9b32-42e1-bc1d-a61973e22864" Revision="1" Stencil="System.MyShapes" StencilVersion="1.0"/>
-</Control>
-</file>
-
-<file path=customXml/item77.xml><?xml version="1.0" encoding="utf-8"?>
-<Control xmlns="http://schemas.microsoft.com/VisualStudio/2011/storyboarding/control">
-  <Id Name="System.Storyboarding.Common.Text" Revision="1" Stencil="System.Storyboarding.Common" StencilVersion="0.1"/>
-</Control>
-</file>
-
-<file path=customXml/item78.xml><?xml version="1.0" encoding="utf-8"?>
-<Control xmlns="http://schemas.microsoft.com/VisualStudio/2011/storyboarding/control">
-  <Id Name="d6afb1a6-3b58-4d37-bc6a-5b40f29f467a" Revision="1" Stencil="System.MyShapes" StencilVersion="1.0"/>
-</Control>
-</file>
-
-<file path=customXml/item79.xml><?xml version="1.0" encoding="utf-8"?>
-<Control xmlns="http://schemas.microsoft.com/VisualStudio/2011/storyboarding/control">
-  <Id Name="0f28cf5d-f67f-426c-894e-ad88fd7bc5a3" Revision="1" Stencil="System.MyShapes" StencilVersion="1.0"/>
-</Control>
-</file>
-
-<file path=customXml/item8.xml><?xml version="1.0" encoding="utf-8"?>
-<Control xmlns="http://schemas.microsoft.com/VisualStudio/2011/storyboarding/control">
-  <Id Name="c2a6c236-44aa-4e49-94e6-458a041806b2" Revision="1" Stencil="System.MyShapes" StencilVersion="1.0"/>
-</Control>
-</file>
-
-<file path=customXml/item80.xml><?xml version="1.0" encoding="utf-8"?>
-<Control xmlns="http://schemas.microsoft.com/VisualStudio/2011/storyboarding/control">
-  <Id Name="System.Storyboarding.Backgrounds.Window" Revision="1" Stencil="System.Storyboarding.Backgrounds" StencilVersion="0.1"/>
-</Control>
-</file>
-
-<file path=customXml/item81.xml><?xml version="1.0" encoding="utf-8"?>
-<Control xmlns="http://schemas.microsoft.com/VisualStudio/2011/storyboarding/control">
-  <Id Name="System.Storyboarding.WindowsApps.WindowsAppsListBox" Revision="1" Stencil="System.Storyboarding.WindowsApps" StencilVersion="0.1"/>
-</Control>
-</file>
-
-<file path=customXml/item82.xml><?xml version="1.0" encoding="utf-8"?>
-<Control xmlns="http://schemas.microsoft.com/VisualStudio/2011/storyboarding/control">
-  <Id Name="d6afb1a6-3b58-4d37-bc6a-5b40f29f467a" Revision="1" Stencil="System.MyShapes" StencilVersion="1.0"/>
-</Control>
-</file>
-
-<file path=customXml/item83.xml><?xml version="1.0" encoding="utf-8"?>
-<Control xmlns="http://schemas.microsoft.com/VisualStudio/2011/storyboarding/control">
-  <Id Name="f3c83fd9-85f0-4f9e-b4e4-752b160e5e27" Revision="1" Stencil="System.MyShapes" StencilVersion="1.0"/>
-</Control>
-</file>
-
-<file path=customXml/item84.xml><?xml version="1.0" encoding="utf-8"?>
-<Control xmlns="http://schemas.microsoft.com/VisualStudio/2011/storyboarding/control">
-  <Id Name="d6afb1a6-3b58-4d37-bc6a-5b40f29f467a" Revision="1" Stencil="System.MyShapes" StencilVersion="1.0"/>
-</Control>
-</file>
-
-<file path=customXml/item85.xml><?xml version="1.0" encoding="utf-8"?>
-<Control xmlns="http://schemas.microsoft.com/VisualStudio/2011/storyboarding/control">
-  <Id Name="System.Storyboarding.WindowsApps.WindowsAppsButton" Revision="1" Stencil="System.Storyboarding.WindowsApps" StencilVersion="0.1"/>
-</Control>
-</file>
-
-<file path=customXml/item86.xml><?xml version="1.0" encoding="utf-8"?>
-<Control xmlns="http://schemas.microsoft.com/VisualStudio/2011/storyboarding/control">
-  <Id Name="def5708f-6bb3-4f3c-978d-68685cd89fc3" Revision="1" Stencil="System.MyShapes" StencilVersion="1.0"/>
-</Control>
-</file>
-
-<file path=customXml/item87.xml><?xml version="1.0" encoding="utf-8"?>
-<Control xmlns="http://schemas.microsoft.com/VisualStudio/2011/storyboarding/control">
-  <Id Name="cda512d8-eee5-4c74-9e08-3d1f5e818a57" Revision="1" Stencil="System.MyShapes" StencilVersion="1.0"/>
-</Control>
-</file>
-
-<file path=customXml/item88.xml><?xml version="1.0" encoding="utf-8"?>
-<Control xmlns="http://schemas.microsoft.com/VisualStudio/2011/storyboarding/control">
-  <Id Name="e4ba56a9-8a58-4830-a401-64f958a11047" Revision="1" Stencil="System.MyShapes" StencilVersion="1.0"/>
-</Control>
-</file>
-
-<file path=customXml/item89.xml><?xml version="1.0" encoding="utf-8"?>
-<Control xmlns="http://schemas.microsoft.com/VisualStudio/2011/storyboarding/control">
-  <Id Name="System.Storyboarding.Common.Text" Revision="1" Stencil="System.Storyboarding.Common" StencilVersion="0.1"/>
-</Control>
-</file>
-
-<file path=customXml/item9.xml><?xml version="1.0" encoding="utf-8"?>
-<Control xmlns="http://schemas.microsoft.com/VisualStudio/2011/storyboarding/control">
-  <Id Name="0007b991-5383-4e60-bbb1-b6b3eff68a1b" Revision="1" Stencil="System.MyShapes" StencilVersion="1.0"/>
-</Control>
-</file>
-
-<file path=customXml/item90.xml><?xml version="1.0" encoding="utf-8"?>
-<Control xmlns="http://schemas.microsoft.com/VisualStudio/2011/storyboarding/control">
-  <Id Name="System.Storyboarding.Common.Text" Revision="1" Stencil="System.Storyboarding.Common" StencilVersion="0.1"/>
-</Control>
-</file>
-
-<file path=customXml/item91.xml><?xml version="1.0" encoding="utf-8"?>
-<Control xmlns="http://schemas.microsoft.com/VisualStudio/2011/storyboarding/control">
-  <Id Name="System.Storyboarding.Common.Text" Revision="1" Stencil="System.Storyboarding.Common" StencilVersion="0.1"/>
-</Control>
-</file>
-
-<file path=customXml/item92.xml><?xml version="1.0" encoding="utf-8"?>
-<Control xmlns="http://schemas.microsoft.com/VisualStudio/2011/storyboarding/control">
-  <Id Name="System.Storyboarding.Common.Text" Revision="1" Stencil="System.Storyboarding.Common" StencilVersion="0.1"/>
-</Control>
-</file>
-
-<file path=customXml/item93.xml><?xml version="1.0" encoding="utf-8"?>
-<Control xmlns="http://schemas.microsoft.com/VisualStudio/2011/storyboarding/control">
-  <Id Name="System.Storyboarding.Backgrounds.Window" Revision="1" Stencil="System.Storyboarding.Backgrounds" StencilVersion="0.1"/>
-</Control>
-</file>
-
-<file path=customXml/item94.xml><?xml version="1.0" encoding="utf-8"?>
-<Control xmlns="http://schemas.microsoft.com/VisualStudio/2011/storyboarding/control">
-  <Id Name="System.Storyboarding.Annotation.AnimatedBanner" Revision="1" Stencil="System.Storyboarding.Annotation" StencilVersion="0.1"/>
-</Control>
-</file>
-
-<file path=customXml/item95.xml><?xml version="1.0" encoding="utf-8"?>
-<Control xmlns="http://schemas.microsoft.com/VisualStudio/2011/storyboarding/control">
-  <Id Name="System.Storyboarding.Common.Text" Revision="1" Stencil="System.Storyboarding.Common" StencilVersion="0.1"/>
-</Control>
-</file>
-
-<file path=customXml/item96.xml><?xml version="1.0" encoding="utf-8"?>
-<Control xmlns="http://schemas.microsoft.com/VisualStudio/2011/storyboarding/control">
-  <Id Name="System.Storyboarding.Common.Text" Revision="1" Stencil="System.Storyboarding.Common" StencilVersion="0.1"/>
-</Control>
-</file>
-
-<file path=customXml/item97.xml><?xml version="1.0" encoding="utf-8"?>
-<Control xmlns="http://schemas.microsoft.com/VisualStudio/2011/storyboarding/control">
-  <Id Name="System.Storyboarding.Common.Text" Revision="1" Stencil="System.Storyboarding.Common" StencilVersion="0.1"/>
-</Control>
-</file>
-
-<file path=customXml/item98.xml><?xml version="1.0" encoding="utf-8"?>
-<Control xmlns="http://schemas.microsoft.com/VisualStudio/2011/storyboarding/control">
-  <Id Name="System.Storyboarding.Common.Text" Revision="1" Stencil="System.Storyboarding.Common" StencilVersion="0.1"/>
-</Control>
-</file>
-
-<file path=customXml/item99.xml><?xml version="1.0" encoding="utf-8"?>
-<Control xmlns="http://schemas.microsoft.com/VisualStudio/2011/storyboarding/control">
-  <Id Name="System.Storyboarding.Common.Text" Revision="1" Stencil="System.Storyboarding.Common" StencilVersion="0.1"/>
-</Control>
-</file>
-
 <file path=customXml/itemProps1.xml><?xml version="1.0" encoding="utf-8"?>
+<ds:datastoreItem xmlns:ds="http://schemas.openxmlformats.org/officeDocument/2006/customXml" ds:itemID="{15C662DE-14A7-46BD-ABE7-E43E2BD6BED1}">
+  <ds:schemaRefs>
+    <ds:schemaRef ds:uri="http://schemas.microsoft.com/VisualStudio/2011/storyboarding/control"/>
+  </ds:schemaRefs>
+</ds:datastoreItem>
+</file>
+
+<file path=customXml/itemProps10.xml><?xml version="1.0" encoding="utf-8"?>
+<ds:datastoreItem xmlns:ds="http://schemas.openxmlformats.org/officeDocument/2006/customXml" ds:itemID="{DA538CB1-DABD-4AD2-820A-F4A5F31C9943}">
+  <ds:schemaRefs>
+    <ds:schemaRef ds:uri="http://schemas.microsoft.com/VisualStudio/2011/storyboarding/control"/>
+  </ds:schemaRefs>
+</ds:datastoreItem>
+</file>
+
+<file path=customXml/itemProps100.xml><?xml version="1.0" encoding="utf-8"?>
+<ds:datastoreItem xmlns:ds="http://schemas.openxmlformats.org/officeDocument/2006/customXml" ds:itemID="{48176EE8-3B98-4FAA-9D7C-D5471DECE3F1}">
+  <ds:schemaRefs>
+    <ds:schemaRef ds:uri="http://schemas.microsoft.com/VisualStudio/2011/storyboarding/control"/>
+  </ds:schemaRefs>
+</ds:datastoreItem>
+</file>
+
+<file path=customXml/itemProps101.xml><?xml version="1.0" encoding="utf-8"?>
+<ds:datastoreItem xmlns:ds="http://schemas.openxmlformats.org/officeDocument/2006/customXml" ds:itemID="{9F16DDEF-BFA8-47B4-A731-80C8E391E1B8}">
+  <ds:schemaRefs>
+    <ds:schemaRef ds:uri="http://schemas.microsoft.com/VisualStudio/2011/storyboarding/control"/>
+  </ds:schemaRefs>
+</ds:datastoreItem>
+</file>
+
+<file path=customXml/itemProps102.xml><?xml version="1.0" encoding="utf-8"?>
+<ds:datastoreItem xmlns:ds="http://schemas.openxmlformats.org/officeDocument/2006/customXml" ds:itemID="{9C03A5BF-59CC-4287-86FF-F0D11436BFC2}">
+  <ds:schemaRefs>
+    <ds:schemaRef ds:uri="http://schemas.microsoft.com/VisualStudio/2011/storyboarding/control"/>
+  </ds:schemaRefs>
+</ds:datastoreItem>
+</file>
+
+<file path=customXml/itemProps103.xml><?xml version="1.0" encoding="utf-8"?>
+<ds:datastoreItem xmlns:ds="http://schemas.openxmlformats.org/officeDocument/2006/customXml" ds:itemID="{1F6A4CF1-17E4-47BF-90C5-70228F1E04CA}">
+  <ds:schemaRefs>
+    <ds:schemaRef ds:uri="http://schemas.microsoft.com/VisualStudio/2011/storyboarding/control"/>
+  </ds:schemaRefs>
+</ds:datastoreItem>
+</file>
+
+<file path=customXml/itemProps11.xml><?xml version="1.0" encoding="utf-8"?>
+<ds:datastoreItem xmlns:ds="http://schemas.openxmlformats.org/officeDocument/2006/customXml" ds:itemID="{5A005DC0-2C11-4A7E-A75E-8BEC008A4EA4}">
+  <ds:schemaRefs>
+    <ds:schemaRef ds:uri="http://schemas.microsoft.com/VisualStudio/2011/storyboarding/control"/>
+  </ds:schemaRefs>
+</ds:datastoreItem>
+</file>
+
+<file path=customXml/itemProps12.xml><?xml version="1.0" encoding="utf-8"?>
+<ds:datastoreItem xmlns:ds="http://schemas.openxmlformats.org/officeDocument/2006/customXml" ds:itemID="{FAB03E05-0B9C-4CF7-AF66-E1BEBBDF29A6}">
+  <ds:schemaRefs>
+    <ds:schemaRef ds:uri="http://schemas.microsoft.com/VisualStudio/2011/storyboarding/control"/>
+  </ds:schemaRefs>
+</ds:datastoreItem>
+</file>
+
+<file path=customXml/itemProps13.xml><?xml version="1.0" encoding="utf-8"?>
+<ds:datastoreItem xmlns:ds="http://schemas.openxmlformats.org/officeDocument/2006/customXml" ds:itemID="{C5486112-768E-4D80-9678-4C614B2FBF21}">
+  <ds:schemaRefs>
+    <ds:schemaRef ds:uri="http://schemas.microsoft.com/VisualStudio/2011/storyboarding/control"/>
+  </ds:schemaRefs>
+</ds:datastoreItem>
+</file>
+
+<file path=customXml/itemProps14.xml><?xml version="1.0" encoding="utf-8"?>
+<ds:datastoreItem xmlns:ds="http://schemas.openxmlformats.org/officeDocument/2006/customXml" ds:itemID="{12761638-7D15-43A9-A338-988C23215D6E}">
+  <ds:schemaRefs>
+    <ds:schemaRef ds:uri="http://schemas.microsoft.com/VisualStudio/2011/storyboarding/control"/>
+  </ds:schemaRefs>
+</ds:datastoreItem>
+</file>
+
+<file path=customXml/itemProps15.xml><?xml version="1.0" encoding="utf-8"?>
+<ds:datastoreItem xmlns:ds="http://schemas.openxmlformats.org/officeDocument/2006/customXml" ds:itemID="{3232F2BF-D8D5-4E7B-831C-7AE0888E6016}">
+  <ds:schemaRefs>
+    <ds:schemaRef ds:uri="http://schemas.microsoft.com/VisualStudio/2011/storyboarding/control"/>
+  </ds:schemaRefs>
+</ds:datastoreItem>
+</file>
+
+<file path=customXml/itemProps16.xml><?xml version="1.0" encoding="utf-8"?>
+<ds:datastoreItem xmlns:ds="http://schemas.openxmlformats.org/officeDocument/2006/customXml" ds:itemID="{495D75C8-2D5D-4463-98F8-13DD3F075DAE}">
+  <ds:schemaRefs>
+    <ds:schemaRef ds:uri="http://schemas.microsoft.com/VisualStudio/2011/storyboarding/control"/>
+  </ds:schemaRefs>
+</ds:datastoreItem>
+</file>
+
+<file path=customXml/itemProps17.xml><?xml version="1.0" encoding="utf-8"?>
+<ds:datastoreItem xmlns:ds="http://schemas.openxmlformats.org/officeDocument/2006/customXml" ds:itemID="{E1DC85B0-6373-4EE4-9A90-2A73C568A2B4}">
+  <ds:schemaRefs>
+    <ds:schemaRef ds:uri="http://schemas.microsoft.com/VisualStudio/2011/storyboarding/control"/>
+  </ds:schemaRefs>
+</ds:datastoreItem>
+</file>
+
+<file path=customXml/itemProps18.xml><?xml version="1.0" encoding="utf-8"?>
+<ds:datastoreItem xmlns:ds="http://schemas.openxmlformats.org/officeDocument/2006/customXml" ds:itemID="{EA443E8A-DE6B-40C4-9647-589AF43210BD}">
+  <ds:schemaRefs>
+    <ds:schemaRef ds:uri="http://schemas.microsoft.com/VisualStudio/2011/storyboarding/control"/>
+  </ds:schemaRefs>
+</ds:datastoreItem>
+</file>
+
+<file path=customXml/itemProps19.xml><?xml version="1.0" encoding="utf-8"?>
+<ds:datastoreItem xmlns:ds="http://schemas.openxmlformats.org/officeDocument/2006/customXml" ds:itemID="{85D94D5E-7093-4F39-9CEF-74D8C3336050}">
+  <ds:schemaRefs>
+    <ds:schemaRef ds:uri="http://schemas.microsoft.com/VisualStudio/2011/storyboarding/control"/>
+  </ds:schemaRefs>
+</ds:datastoreItem>
+</file>
+
+<file path=customXml/itemProps2.xml><?xml version="1.0" encoding="utf-8"?>
+<ds:datastoreItem xmlns:ds="http://schemas.openxmlformats.org/officeDocument/2006/customXml" ds:itemID="{D704AC44-035F-4295-BB91-51BC2EEDC32C}">
+  <ds:schemaRefs>
+    <ds:schemaRef ds:uri="http://schemas.microsoft.com/VisualStudio/2011/storyboarding/control"/>
+  </ds:schemaRefs>
+</ds:datastoreItem>
+</file>
+
+<file path=customXml/itemProps20.xml><?xml version="1.0" encoding="utf-8"?>
+<ds:datastoreItem xmlns:ds="http://schemas.openxmlformats.org/officeDocument/2006/customXml" ds:itemID="{316437DC-28E4-4007-AD5C-C2F6DF1CA40F}">
+  <ds:schemaRefs>
+    <ds:schemaRef ds:uri="http://schemas.microsoft.com/VisualStudio/2011/storyboarding/control"/>
+  </ds:schemaRefs>
+</ds:datastoreItem>
+</file>
+
+<file path=customXml/itemProps21.xml><?xml version="1.0" encoding="utf-8"?>
+<ds:datastoreItem xmlns:ds="http://schemas.openxmlformats.org/officeDocument/2006/customXml" ds:itemID="{4E5BE3C9-AE6F-4476-A264-FF179CDB70CF}">
+  <ds:schemaRefs>
+    <ds:schemaRef ds:uri="http://schemas.microsoft.com/VisualStudio/2011/storyboarding/control"/>
+  </ds:schemaRefs>
+</ds:datastoreItem>
+</file>
+
+<file path=customXml/itemProps22.xml><?xml version="1.0" encoding="utf-8"?>
+<ds:datastoreItem xmlns:ds="http://schemas.openxmlformats.org/officeDocument/2006/customXml" ds:itemID="{FE153C08-5B6E-49BE-9BAD-AC85721F070E}">
+  <ds:schemaRefs>
+    <ds:schemaRef ds:uri="http://schemas.microsoft.com/VisualStudio/2011/storyboarding/control"/>
+  </ds:schemaRefs>
+</ds:datastoreItem>
+</file>
+
+<file path=customXml/itemProps23.xml><?xml version="1.0" encoding="utf-8"?>
+<ds:datastoreItem xmlns:ds="http://schemas.openxmlformats.org/officeDocument/2006/customXml" ds:itemID="{C0266D63-BAC1-4154-B8CA-1EDCD36FA2E6}">
+  <ds:schemaRefs>
+    <ds:schemaRef ds:uri="http://schemas.microsoft.com/VisualStudio/2011/storyboarding/control"/>
+  </ds:schemaRefs>
+</ds:datastoreItem>
+</file>
+
+<file path=customXml/itemProps24.xml><?xml version="1.0" encoding="utf-8"?>
+<ds:datastoreItem xmlns:ds="http://schemas.openxmlformats.org/officeDocument/2006/customXml" ds:itemID="{99BAFEE1-9A76-4916-BE5D-6B9E720BCE9B}">
+  <ds:schemaRefs>
+    <ds:schemaRef ds:uri="http://schemas.microsoft.com/VisualStudio/2011/storyboarding/control"/>
+  </ds:schemaRefs>
+</ds:datastoreItem>
+</file>
+
+<file path=customXml/itemProps25.xml><?xml version="1.0" encoding="utf-8"?>
+<ds:datastoreItem xmlns:ds="http://schemas.openxmlformats.org/officeDocument/2006/customXml" ds:itemID="{3C3F3149-2518-4E60-954B-2C0D61E01A08}">
+  <ds:schemaRefs>
+    <ds:schemaRef ds:uri="http://schemas.microsoft.com/VisualStudio/2011/storyboarding/control"/>
+  </ds:schemaRefs>
+</ds:datastoreItem>
+</file>
+
+<file path=customXml/itemProps26.xml><?xml version="1.0" encoding="utf-8"?>
+<ds:datastoreItem xmlns:ds="http://schemas.openxmlformats.org/officeDocument/2006/customXml" ds:itemID="{B8586F91-83A8-49F7-BABA-07558E75716F}">
+  <ds:schemaRefs>
+    <ds:schemaRef ds:uri="http://schemas.microsoft.com/VisualStudio/2011/storyboarding/control"/>
+  </ds:schemaRefs>
+</ds:datastoreItem>
+</file>
+
+<file path=customXml/itemProps27.xml><?xml version="1.0" encoding="utf-8"?>
+<ds:datastoreItem xmlns:ds="http://schemas.openxmlformats.org/officeDocument/2006/customXml" ds:itemID="{1862D6FC-3C74-4AC7-9D6D-02E6CBE8F3F0}">
+  <ds:schemaRefs>
+    <ds:schemaRef ds:uri="http://schemas.microsoft.com/VisualStudio/2011/storyboarding/control"/>
+  </ds:schemaRefs>
+</ds:datastoreItem>
+</file>
+
+<file path=customXml/itemProps28.xml><?xml version="1.0" encoding="utf-8"?>
+<ds:datastoreItem xmlns:ds="http://schemas.openxmlformats.org/officeDocument/2006/customXml" ds:itemID="{63F7AE64-1198-469B-91BB-C8ED92C9EAD5}">
+  <ds:schemaRefs>
+    <ds:schemaRef ds:uri="http://schemas.microsoft.com/VisualStudio/2011/storyboarding/control"/>
+  </ds:schemaRefs>
+</ds:datastoreItem>
+</file>
+
+<file path=customXml/itemProps29.xml><?xml version="1.0" encoding="utf-8"?>
+<ds:datastoreItem xmlns:ds="http://schemas.openxmlformats.org/officeDocument/2006/customXml" ds:itemID="{A282A71B-E972-45D8-80CE-26CCB7A7A96B}">
+  <ds:schemaRefs>
+    <ds:schemaRef ds:uri="http://schemas.microsoft.com/VisualStudio/2011/storyboarding/control"/>
+  </ds:schemaRefs>
+</ds:datastoreItem>
+</file>
+
+<file path=customXml/itemProps3.xml><?xml version="1.0" encoding="utf-8"?>
+<ds:datastoreItem xmlns:ds="http://schemas.openxmlformats.org/officeDocument/2006/customXml" ds:itemID="{A5050753-6AB3-4F6D-A059-9A6387FAF166}">
+  <ds:schemaRefs>
+    <ds:schemaRef ds:uri="http://schemas.microsoft.com/VisualStudio/2011/storyboarding/control"/>
+  </ds:schemaRefs>
+</ds:datastoreItem>
+</file>
+
+<file path=customXml/itemProps30.xml><?xml version="1.0" encoding="utf-8"?>
+<ds:datastoreItem xmlns:ds="http://schemas.openxmlformats.org/officeDocument/2006/customXml" ds:itemID="{5997BE92-4BC3-4CCB-A9CF-D19C1FB9A65C}">
+  <ds:schemaRefs>
+    <ds:schemaRef ds:uri="http://schemas.microsoft.com/VisualStudio/2011/storyboarding/control"/>
+  </ds:schemaRefs>
+</ds:datastoreItem>
+</file>
+
+<file path=customXml/itemProps31.xml><?xml version="1.0" encoding="utf-8"?>
+<ds:datastoreItem xmlns:ds="http://schemas.openxmlformats.org/officeDocument/2006/customXml" ds:itemID="{B78889EA-C071-4B99-A98A-DCA50E0B096B}">
+  <ds:schemaRefs>
+    <ds:schemaRef ds:uri="http://schemas.microsoft.com/VisualStudio/2011/storyboarding/control"/>
+  </ds:schemaRefs>
+</ds:datastoreItem>
+</file>
+
+<file path=customXml/itemProps32.xml><?xml version="1.0" encoding="utf-8"?>
+<ds:datastoreItem xmlns:ds="http://schemas.openxmlformats.org/officeDocument/2006/customXml" ds:itemID="{E3F7D4EF-4C70-45B2-BEFC-5B75497F6987}">
+  <ds:schemaRefs>
+    <ds:schemaRef ds:uri="http://schemas.microsoft.com/VisualStudio/2011/storyboarding/control"/>
+  </ds:schemaRefs>
+</ds:datastoreItem>
+</file>
+
+<file path=customXml/itemProps33.xml><?xml version="1.0" encoding="utf-8"?>
+<ds:datastoreItem xmlns:ds="http://schemas.openxmlformats.org/officeDocument/2006/customXml" ds:itemID="{D9E52B8D-32F6-4F0F-B5F9-FF871D2FA241}">
+  <ds:schemaRefs>
+    <ds:schemaRef ds:uri="http://schemas.microsoft.com/VisualStudio/2011/storyboarding/control"/>
+  </ds:schemaRefs>
+</ds:datastoreItem>
+</file>
+
+<file path=customXml/itemProps34.xml><?xml version="1.0" encoding="utf-8"?>
+<ds:datastoreItem xmlns:ds="http://schemas.openxmlformats.org/officeDocument/2006/customXml" ds:itemID="{9E7B61C9-5D05-429A-8151-A353FA5CEFEC}">
+  <ds:schemaRefs>
+    <ds:schemaRef ds:uri="http://schemas.microsoft.com/VisualStudio/2011/storyboarding/control"/>
+  </ds:schemaRefs>
+</ds:datastoreItem>
+</file>
+
+<file path=customXml/itemProps35.xml><?xml version="1.0" encoding="utf-8"?>
+<ds:datastoreItem xmlns:ds="http://schemas.openxmlformats.org/officeDocument/2006/customXml" ds:itemID="{EA6941B0-51FA-4AFA-BEF2-3BCBC44AA371}">
+  <ds:schemaRefs>
+    <ds:schemaRef ds:uri="http://schemas.microsoft.com/VisualStudio/2011/storyboarding/control"/>
+  </ds:schemaRefs>
+</ds:datastoreItem>
+</file>
+
+<file path=customXml/itemProps36.xml><?xml version="1.0" encoding="utf-8"?>
+<ds:datastoreItem xmlns:ds="http://schemas.openxmlformats.org/officeDocument/2006/customXml" ds:itemID="{BFEE87E5-67BF-41FC-B21F-DED889C9547A}">
+  <ds:schemaRefs>
+    <ds:schemaRef ds:uri="http://schemas.microsoft.com/VisualStudio/2011/storyboarding/control"/>
+  </ds:schemaRefs>
+</ds:datastoreItem>
+</file>
+
+<file path=customXml/itemProps37.xml><?xml version="1.0" encoding="utf-8"?>
+<ds:datastoreItem xmlns:ds="http://schemas.openxmlformats.org/officeDocument/2006/customXml" ds:itemID="{803F77DB-A198-4487-BB20-6CB3BFA8A541}">
+  <ds:schemaRefs>
+    <ds:schemaRef ds:uri="http://schemas.microsoft.com/VisualStudio/2011/storyboarding/control"/>
+  </ds:schemaRefs>
+</ds:datastoreItem>
+</file>
+
+<file path=customXml/itemProps38.xml><?xml version="1.0" encoding="utf-8"?>
+<ds:datastoreItem xmlns:ds="http://schemas.openxmlformats.org/officeDocument/2006/customXml" ds:itemID="{D0A49516-BFA4-4698-A16D-F194AB5A2F1D}">
+  <ds:schemaRefs>
+    <ds:schemaRef ds:uri="http://schemas.microsoft.com/VisualStudio/2011/storyboarding/control"/>
+  </ds:schemaRefs>
+</ds:datastoreItem>
+</file>
+
+<file path=customXml/itemProps39.xml><?xml version="1.0" encoding="utf-8"?>
+<ds:datastoreItem xmlns:ds="http://schemas.openxmlformats.org/officeDocument/2006/customXml" ds:itemID="{2D5362F5-9284-46CE-A720-A893F450CE77}">
+  <ds:schemaRefs>
+    <ds:schemaRef ds:uri="http://schemas.microsoft.com/VisualStudio/2011/storyboarding/control"/>
+  </ds:schemaRefs>
+</ds:datastoreItem>
+</file>
+
+<file path=customXml/itemProps4.xml><?xml version="1.0" encoding="utf-8"?>
+<ds:datastoreItem xmlns:ds="http://schemas.openxmlformats.org/officeDocument/2006/customXml" ds:itemID="{741E9F1B-CD4B-44DE-AF3E-80FFA53C54CD}">
+  <ds:schemaRefs>
+    <ds:schemaRef ds:uri="http://schemas.microsoft.com/VisualStudio/2011/storyboarding/control"/>
+  </ds:schemaRefs>
+</ds:datastoreItem>
+</file>
+
+<file path=customXml/itemProps40.xml><?xml version="1.0" encoding="utf-8"?>
 <ds:datastoreItem xmlns:ds="http://schemas.openxmlformats.org/officeDocument/2006/customXml" ds:itemID="{9AF6BDE3-2A00-4C88-B9C3-96DC080622E2}">
   <ds:schemaRefs>
     <ds:schemaRef ds:uri="http://schemas.microsoft.com/VisualStudio/2011/storyboarding/control"/>
@@ -5755,7 +5882,63 @@
 </ds:datastoreItem>
 </file>
 
-<file path=customXml/itemProps10.xml><?xml version="1.0" encoding="utf-8"?>
+<file path=customXml/itemProps41.xml><?xml version="1.0" encoding="utf-8"?>
+<ds:datastoreItem xmlns:ds="http://schemas.openxmlformats.org/officeDocument/2006/customXml" ds:itemID="{E08C6A06-0FA3-45DE-88CE-72C80DA7120D}">
+  <ds:schemaRefs>
+    <ds:schemaRef ds:uri="http://schemas.microsoft.com/VisualStudio/2011/storyboarding/control"/>
+  </ds:schemaRefs>
+</ds:datastoreItem>
+</file>
+
+<file path=customXml/itemProps42.xml><?xml version="1.0" encoding="utf-8"?>
+<ds:datastoreItem xmlns:ds="http://schemas.openxmlformats.org/officeDocument/2006/customXml" ds:itemID="{4D617227-EB20-42A0-ABA4-E350A7E5363A}">
+  <ds:schemaRefs>
+    <ds:schemaRef ds:uri="http://schemas.microsoft.com/VisualStudio/2011/storyboarding/control"/>
+  </ds:schemaRefs>
+</ds:datastoreItem>
+</file>
+
+<file path=customXml/itemProps43.xml><?xml version="1.0" encoding="utf-8"?>
+<ds:datastoreItem xmlns:ds="http://schemas.openxmlformats.org/officeDocument/2006/customXml" ds:itemID="{A4E43D24-E523-418B-8126-A6CA7196BF77}">
+  <ds:schemaRefs>
+    <ds:schemaRef ds:uri="http://schemas.microsoft.com/VisualStudio/2011/storyboarding/control"/>
+  </ds:schemaRefs>
+</ds:datastoreItem>
+</file>
+
+<file path=customXml/itemProps44.xml><?xml version="1.0" encoding="utf-8"?>
+<ds:datastoreItem xmlns:ds="http://schemas.openxmlformats.org/officeDocument/2006/customXml" ds:itemID="{7F960B01-C1BC-4D10-B025-8C396A2C71B8}">
+  <ds:schemaRefs>
+    <ds:schemaRef ds:uri="http://schemas.microsoft.com/VisualStudio/2011/storyboarding/control"/>
+  </ds:schemaRefs>
+</ds:datastoreItem>
+</file>
+
+<file path=customXml/itemProps45.xml><?xml version="1.0" encoding="utf-8"?>
+<ds:datastoreItem xmlns:ds="http://schemas.openxmlformats.org/officeDocument/2006/customXml" ds:itemID="{76458502-AFE9-4753-8DF3-EBC8D92F86FC}">
+  <ds:schemaRefs>
+    <ds:schemaRef ds:uri="http://schemas.microsoft.com/VisualStudio/2011/storyboarding/control"/>
+  </ds:schemaRefs>
+</ds:datastoreItem>
+</file>
+
+<file path=customXml/itemProps46.xml><?xml version="1.0" encoding="utf-8"?>
+<ds:datastoreItem xmlns:ds="http://schemas.openxmlformats.org/officeDocument/2006/customXml" ds:itemID="{9805B08F-7B35-4E73-A7B7-28D606791ED4}">
+  <ds:schemaRefs>
+    <ds:schemaRef ds:uri="http://schemas.microsoft.com/VisualStudio/2011/storyboarding/control"/>
+  </ds:schemaRefs>
+</ds:datastoreItem>
+</file>
+
+<file path=customXml/itemProps47.xml><?xml version="1.0" encoding="utf-8"?>
+<ds:datastoreItem xmlns:ds="http://schemas.openxmlformats.org/officeDocument/2006/customXml" ds:itemID="{8E141486-FF38-42DD-9F45-3F9246AD43F9}">
+  <ds:schemaRefs>
+    <ds:schemaRef ds:uri="http://schemas.microsoft.com/VisualStudio/2011/storyboarding/control"/>
+  </ds:schemaRefs>
+</ds:datastoreItem>
+</file>
+
+<file path=customXml/itemProps48.xml><?xml version="1.0" encoding="utf-8"?>
 <ds:datastoreItem xmlns:ds="http://schemas.openxmlformats.org/officeDocument/2006/customXml" ds:itemID="{1C499598-92A5-40F8-AF17-BA8C70708E09}">
   <ds:schemaRefs>
     <ds:schemaRef ds:uri="http://schemas.microsoft.com/VisualStudio/2011/storyboarding/control"/>
@@ -5763,15 +5946,111 @@
 </ds:datastoreItem>
 </file>
 
-<file path=customXml/itemProps100.xml><?xml version="1.0" encoding="utf-8"?>
-<ds:datastoreItem xmlns:ds="http://schemas.openxmlformats.org/officeDocument/2006/customXml" ds:itemID="{00C500D2-7D30-4EC9-9770-46B305C9221C}">
-  <ds:schemaRefs>
-    <ds:schemaRef ds:uri="http://schemas.microsoft.com/VisualStudio/2011/storyboarding/control"/>
-  </ds:schemaRefs>
-</ds:datastoreItem>
-</file>
-
-<file path=customXml/itemProps101.xml><?xml version="1.0" encoding="utf-8"?>
+<file path=customXml/itemProps49.xml><?xml version="1.0" encoding="utf-8"?>
+<ds:datastoreItem xmlns:ds="http://schemas.openxmlformats.org/officeDocument/2006/customXml" ds:itemID="{9F94FD13-A717-40BF-B28E-DAD2B33FC672}">
+  <ds:schemaRefs>
+    <ds:schemaRef ds:uri="http://schemas.microsoft.com/VisualStudio/2011/storyboarding/control"/>
+  </ds:schemaRefs>
+</ds:datastoreItem>
+</file>
+
+<file path=customXml/itemProps5.xml><?xml version="1.0" encoding="utf-8"?>
+<ds:datastoreItem xmlns:ds="http://schemas.openxmlformats.org/officeDocument/2006/customXml" ds:itemID="{F18EB44E-061B-42AC-8A74-21B9B1D738D2}">
+  <ds:schemaRefs>
+    <ds:schemaRef ds:uri="http://schemas.microsoft.com/VisualStudio/2011/storyboarding/control"/>
+  </ds:schemaRefs>
+</ds:datastoreItem>
+</file>
+
+<file path=customXml/itemProps50.xml><?xml version="1.0" encoding="utf-8"?>
+<ds:datastoreItem xmlns:ds="http://schemas.openxmlformats.org/officeDocument/2006/customXml" ds:itemID="{18916EF1-13EF-4E2D-B5EC-48453D00FB5A}">
+  <ds:schemaRefs>
+    <ds:schemaRef ds:uri="http://schemas.microsoft.com/VisualStudio/2011/storyboarding/control"/>
+  </ds:schemaRefs>
+</ds:datastoreItem>
+</file>
+
+<file path=customXml/itemProps51.xml><?xml version="1.0" encoding="utf-8"?>
+<ds:datastoreItem xmlns:ds="http://schemas.openxmlformats.org/officeDocument/2006/customXml" ds:itemID="{5BD564DC-66E5-46F3-92BD-340085AD1B50}">
+  <ds:schemaRefs>
+    <ds:schemaRef ds:uri="http://schemas.microsoft.com/VisualStudio/2011/storyboarding/control"/>
+  </ds:schemaRefs>
+</ds:datastoreItem>
+</file>
+
+<file path=customXml/itemProps52.xml><?xml version="1.0" encoding="utf-8"?>
+<ds:datastoreItem xmlns:ds="http://schemas.openxmlformats.org/officeDocument/2006/customXml" ds:itemID="{5F58D5C6-438E-4CA0-9BDC-9FADC5075979}">
+  <ds:schemaRefs>
+    <ds:schemaRef ds:uri="http://schemas.microsoft.com/VisualStudio/2011/storyboarding/control"/>
+  </ds:schemaRefs>
+</ds:datastoreItem>
+</file>
+
+<file path=customXml/itemProps53.xml><?xml version="1.0" encoding="utf-8"?>
+<ds:datastoreItem xmlns:ds="http://schemas.openxmlformats.org/officeDocument/2006/customXml" ds:itemID="{6491E925-984A-4F68-B38E-0F36936BE2BE}">
+  <ds:schemaRefs>
+    <ds:schemaRef ds:uri="http://schemas.microsoft.com/VisualStudio/2011/storyboarding/control"/>
+  </ds:schemaRefs>
+</ds:datastoreItem>
+</file>
+
+<file path=customXml/itemProps54.xml><?xml version="1.0" encoding="utf-8"?>
+<ds:datastoreItem xmlns:ds="http://schemas.openxmlformats.org/officeDocument/2006/customXml" ds:itemID="{66FD2A14-2F76-4127-886E-2AE7C6A35959}">
+  <ds:schemaRefs>
+    <ds:schemaRef ds:uri="http://schemas.microsoft.com/VisualStudio/2011/storyboarding/control"/>
+  </ds:schemaRefs>
+</ds:datastoreItem>
+</file>
+
+<file path=customXml/itemProps55.xml><?xml version="1.0" encoding="utf-8"?>
+<ds:datastoreItem xmlns:ds="http://schemas.openxmlformats.org/officeDocument/2006/customXml" ds:itemID="{5A06149F-309B-4C18-A36F-CFD51995F54A}">
+  <ds:schemaRefs>
+    <ds:schemaRef ds:uri="http://schemas.microsoft.com/VisualStudio/2011/storyboarding/control"/>
+  </ds:schemaRefs>
+</ds:datastoreItem>
+</file>
+
+<file path=customXml/itemProps56.xml><?xml version="1.0" encoding="utf-8"?>
+<ds:datastoreItem xmlns:ds="http://schemas.openxmlformats.org/officeDocument/2006/customXml" ds:itemID="{D695601F-15AE-418A-B052-3970A2975277}">
+  <ds:schemaRefs>
+    <ds:schemaRef ds:uri="http://schemas.microsoft.com/VisualStudio/2011/storyboarding/control"/>
+  </ds:schemaRefs>
+</ds:datastoreItem>
+</file>
+
+<file path=customXml/itemProps57.xml><?xml version="1.0" encoding="utf-8"?>
+<ds:datastoreItem xmlns:ds="http://schemas.openxmlformats.org/officeDocument/2006/customXml" ds:itemID="{67A1DBB2-ED6D-417B-93C8-B28735BAE841}">
+  <ds:schemaRefs>
+    <ds:schemaRef ds:uri="http://schemas.microsoft.com/VisualStudio/2011/storyboarding/control"/>
+  </ds:schemaRefs>
+</ds:datastoreItem>
+</file>
+
+<file path=customXml/itemProps58.xml><?xml version="1.0" encoding="utf-8"?>
+<ds:datastoreItem xmlns:ds="http://schemas.openxmlformats.org/officeDocument/2006/customXml" ds:itemID="{361D1279-4D4D-4473-8B33-24BA6A553486}">
+  <ds:schemaRefs>
+    <ds:schemaRef ds:uri="http://schemas.microsoft.com/VisualStudio/2011/storyboarding/control"/>
+  </ds:schemaRefs>
+</ds:datastoreItem>
+</file>
+
+<file path=customXml/itemProps59.xml><?xml version="1.0" encoding="utf-8"?>
+<ds:datastoreItem xmlns:ds="http://schemas.openxmlformats.org/officeDocument/2006/customXml" ds:itemID="{86D38412-E029-4AA9-80C3-6AD592688B23}">
+  <ds:schemaRefs>
+    <ds:schemaRef ds:uri="http://schemas.microsoft.com/VisualStudio/2011/storyboarding/control"/>
+  </ds:schemaRefs>
+</ds:datastoreItem>
+</file>
+
+<file path=customXml/itemProps6.xml><?xml version="1.0" encoding="utf-8"?>
+<ds:datastoreItem xmlns:ds="http://schemas.openxmlformats.org/officeDocument/2006/customXml" ds:itemID="{C0BB34A4-AA43-4778-8979-5AF11810B8CD}">
+  <ds:schemaRefs>
+    <ds:schemaRef ds:uri="http://schemas.microsoft.com/VisualStudio/2011/storyboarding/control"/>
+  </ds:schemaRefs>
+</ds:datastoreItem>
+</file>
+
+<file path=customXml/itemProps60.xml><?xml version="1.0" encoding="utf-8"?>
 <ds:datastoreItem xmlns:ds="http://schemas.openxmlformats.org/officeDocument/2006/customXml" ds:itemID="{086CB45B-ECF2-4D70-84DE-EDAB85B724B6}">
   <ds:schemaRefs>
     <ds:schemaRef ds:uri="http://schemas.microsoft.com/VisualStudio/2011/storyboarding/control"/>
@@ -5779,39 +6058,23 @@
 </ds:datastoreItem>
 </file>
 
-<file path=customXml/itemProps102.xml><?xml version="1.0" encoding="utf-8"?>
-<ds:datastoreItem xmlns:ds="http://schemas.openxmlformats.org/officeDocument/2006/customXml" ds:itemID="{E1DC85B0-6373-4EE4-9A90-2A73C568A2B4}">
-  <ds:schemaRefs>
-    <ds:schemaRef ds:uri="http://schemas.microsoft.com/VisualStudio/2011/storyboarding/control"/>
-  </ds:schemaRefs>
-</ds:datastoreItem>
-</file>
-
-<file path=customXml/itemProps103.xml><?xml version="1.0" encoding="utf-8"?>
-<ds:datastoreItem xmlns:ds="http://schemas.openxmlformats.org/officeDocument/2006/customXml" ds:itemID="{9E7B61C9-5D05-429A-8151-A353FA5CEFEC}">
-  <ds:schemaRefs>
-    <ds:schemaRef ds:uri="http://schemas.microsoft.com/VisualStudio/2011/storyboarding/control"/>
-  </ds:schemaRefs>
-</ds:datastoreItem>
-</file>
-
-<file path=customXml/itemProps11.xml><?xml version="1.0" encoding="utf-8"?>
-<ds:datastoreItem xmlns:ds="http://schemas.openxmlformats.org/officeDocument/2006/customXml" ds:itemID="{DA538CB1-DABD-4AD2-820A-F4A5F31C9943}">
-  <ds:schemaRefs>
-    <ds:schemaRef ds:uri="http://schemas.microsoft.com/VisualStudio/2011/storyboarding/control"/>
-  </ds:schemaRefs>
-</ds:datastoreItem>
-</file>
-
-<file path=customXml/itemProps12.xml><?xml version="1.0" encoding="utf-8"?>
-<ds:datastoreItem xmlns:ds="http://schemas.openxmlformats.org/officeDocument/2006/customXml" ds:itemID="{A282A71B-E972-45D8-80CE-26CCB7A7A96B}">
-  <ds:schemaRefs>
-    <ds:schemaRef ds:uri="http://schemas.microsoft.com/VisualStudio/2011/storyboarding/control"/>
-  </ds:schemaRefs>
-</ds:datastoreItem>
-</file>
-
-<file path=customXml/itemProps13.xml><?xml version="1.0" encoding="utf-8"?>
+<file path=customXml/itemProps61.xml><?xml version="1.0" encoding="utf-8"?>
+<ds:datastoreItem xmlns:ds="http://schemas.openxmlformats.org/officeDocument/2006/customXml" ds:itemID="{180672E3-138C-465C-AE03-B1B4EE949B27}">
+  <ds:schemaRefs>
+    <ds:schemaRef ds:uri="http://schemas.microsoft.com/VisualStudio/2011/storyboarding/control"/>
+  </ds:schemaRefs>
+</ds:datastoreItem>
+</file>
+
+<file path=customXml/itemProps62.xml><?xml version="1.0" encoding="utf-8"?>
+<ds:datastoreItem xmlns:ds="http://schemas.openxmlformats.org/officeDocument/2006/customXml" ds:itemID="{B5BAB880-FEA9-4537-9B2D-4BBBEF3BD824}">
+  <ds:schemaRefs>
+    <ds:schemaRef ds:uri="http://schemas.microsoft.com/VisualStudio/2011/storyboarding/control"/>
+  </ds:schemaRefs>
+</ds:datastoreItem>
+</file>
+
+<file path=customXml/itemProps63.xml><?xml version="1.0" encoding="utf-8"?>
 <ds:datastoreItem xmlns:ds="http://schemas.openxmlformats.org/officeDocument/2006/customXml" ds:itemID="{32CF39E5-F948-4DAC-BD0E-9D640C601594}">
   <ds:schemaRefs>
     <ds:schemaRef ds:uri="http://schemas.microsoft.com/VisualStudio/2011/storyboarding/control"/>
@@ -5819,39 +6082,7 @@
 </ds:datastoreItem>
 </file>
 
-<file path=customXml/itemProps14.xml><?xml version="1.0" encoding="utf-8"?>
-<ds:datastoreItem xmlns:ds="http://schemas.openxmlformats.org/officeDocument/2006/customXml" ds:itemID="{4D24CC1F-D517-43C7-B98F-547D01F58AB5}">
-  <ds:schemaRefs>
-    <ds:schemaRef ds:uri="http://schemas.microsoft.com/VisualStudio/2011/storyboarding/control"/>
-  </ds:schemaRefs>
-</ds:datastoreItem>
-</file>
-
-<file path=customXml/itemProps15.xml><?xml version="1.0" encoding="utf-8"?>
-<ds:datastoreItem xmlns:ds="http://schemas.openxmlformats.org/officeDocument/2006/customXml" ds:itemID="{4D617227-EB20-42A0-ABA4-E350A7E5363A}">
-  <ds:schemaRefs>
-    <ds:schemaRef ds:uri="http://schemas.microsoft.com/VisualStudio/2011/storyboarding/control"/>
-  </ds:schemaRefs>
-</ds:datastoreItem>
-</file>
-
-<file path=customXml/itemProps16.xml><?xml version="1.0" encoding="utf-8"?>
-<ds:datastoreItem xmlns:ds="http://schemas.openxmlformats.org/officeDocument/2006/customXml" ds:itemID="{77E1684D-1AA3-4A89-8485-FD22D751C185}">
-  <ds:schemaRefs>
-    <ds:schemaRef ds:uri="http://schemas.microsoft.com/VisualStudio/2011/storyboarding/control"/>
-  </ds:schemaRefs>
-</ds:datastoreItem>
-</file>
-
-<file path=customXml/itemProps17.xml><?xml version="1.0" encoding="utf-8"?>
-<ds:datastoreItem xmlns:ds="http://schemas.openxmlformats.org/officeDocument/2006/customXml" ds:itemID="{5997BE92-4BC3-4CCB-A9CF-D19C1FB9A65C}">
-  <ds:schemaRefs>
-    <ds:schemaRef ds:uri="http://schemas.microsoft.com/VisualStudio/2011/storyboarding/control"/>
-  </ds:schemaRefs>
-</ds:datastoreItem>
-</file>
-
-<file path=customXml/itemProps18.xml><?xml version="1.0" encoding="utf-8"?>
+<file path=customXml/itemProps64.xml><?xml version="1.0" encoding="utf-8"?>
 <ds:datastoreItem xmlns:ds="http://schemas.openxmlformats.org/officeDocument/2006/customXml" ds:itemID="{8A23605F-7FCE-4C42-943A-DB7A6876435B}">
   <ds:schemaRefs>
     <ds:schemaRef ds:uri="http://schemas.microsoft.com/VisualStudio/2011/storyboarding/control"/>
@@ -5859,15 +6090,87 @@
 </ds:datastoreItem>
 </file>
 
-<file path=customXml/itemProps19.xml><?xml version="1.0" encoding="utf-8"?>
-<ds:datastoreItem xmlns:ds="http://schemas.openxmlformats.org/officeDocument/2006/customXml" ds:itemID="{FCA5A087-D1FF-4ED8-A897-FDF053B5FDEE}">
-  <ds:schemaRefs>
-    <ds:schemaRef ds:uri="http://schemas.microsoft.com/VisualStudio/2011/storyboarding/control"/>
-  </ds:schemaRefs>
-</ds:datastoreItem>
-</file>
-
-<file path=customXml/itemProps2.xml><?xml version="1.0" encoding="utf-8"?>
+<file path=customXml/itemProps65.xml><?xml version="1.0" encoding="utf-8"?>
+<ds:datastoreItem xmlns:ds="http://schemas.openxmlformats.org/officeDocument/2006/customXml" ds:itemID="{74B307CE-886E-4505-B0B5-013506AA16EA}">
+  <ds:schemaRefs>
+    <ds:schemaRef ds:uri="http://schemas.microsoft.com/VisualStudio/2011/storyboarding/control"/>
+  </ds:schemaRefs>
+</ds:datastoreItem>
+</file>
+
+<file path=customXml/itemProps66.xml><?xml version="1.0" encoding="utf-8"?>
+<ds:datastoreItem xmlns:ds="http://schemas.openxmlformats.org/officeDocument/2006/customXml" ds:itemID="{499D72F2-9EAE-40B4-A2DA-D32928D2C2C4}">
+  <ds:schemaRefs>
+    <ds:schemaRef ds:uri="http://schemas.microsoft.com/VisualStudio/2011/storyboarding/control"/>
+  </ds:schemaRefs>
+</ds:datastoreItem>
+</file>
+
+<file path=customXml/itemProps67.xml><?xml version="1.0" encoding="utf-8"?>
+<ds:datastoreItem xmlns:ds="http://schemas.openxmlformats.org/officeDocument/2006/customXml" ds:itemID="{B6593C86-5507-4301-A43E-FC9C4778A28F}">
+  <ds:schemaRefs>
+    <ds:schemaRef ds:uri="http://schemas.microsoft.com/VisualStudio/2011/storyboarding/control"/>
+  </ds:schemaRefs>
+</ds:datastoreItem>
+</file>
+
+<file path=customXml/itemProps68.xml><?xml version="1.0" encoding="utf-8"?>
+<ds:datastoreItem xmlns:ds="http://schemas.openxmlformats.org/officeDocument/2006/customXml" ds:itemID="{5D7401CA-755C-4F06-BDCF-29A617C5C8A1}">
+  <ds:schemaRefs>
+    <ds:schemaRef ds:uri="http://schemas.microsoft.com/VisualStudio/2011/storyboarding/control"/>
+  </ds:schemaRefs>
+</ds:datastoreItem>
+</file>
+
+<file path=customXml/itemProps69.xml><?xml version="1.0" encoding="utf-8"?>
+<ds:datastoreItem xmlns:ds="http://schemas.openxmlformats.org/officeDocument/2006/customXml" ds:itemID="{C9F97F9E-D50D-428E-933E-F153FB77C077}">
+  <ds:schemaRefs>
+    <ds:schemaRef ds:uri="http://schemas.microsoft.com/VisualStudio/2011/storyboarding/control"/>
+  </ds:schemaRefs>
+</ds:datastoreItem>
+</file>
+
+<file path=customXml/itemProps7.xml><?xml version="1.0" encoding="utf-8"?>
+<ds:datastoreItem xmlns:ds="http://schemas.openxmlformats.org/officeDocument/2006/customXml" ds:itemID="{A4658A37-F386-4485-9FB8-4FB04E497003}">
+  <ds:schemaRefs>
+    <ds:schemaRef ds:uri="http://schemas.microsoft.com/VisualStudio/2011/storyboarding/control"/>
+  </ds:schemaRefs>
+</ds:datastoreItem>
+</file>
+
+<file path=customXml/itemProps70.xml><?xml version="1.0" encoding="utf-8"?>
+<ds:datastoreItem xmlns:ds="http://schemas.openxmlformats.org/officeDocument/2006/customXml" ds:itemID="{1CFB39D1-C6C2-4957-A0DF-73117A76D67D}">
+  <ds:schemaRefs>
+    <ds:schemaRef ds:uri="http://schemas.microsoft.com/VisualStudio/2011/storyboarding/control"/>
+  </ds:schemaRefs>
+</ds:datastoreItem>
+</file>
+
+<file path=customXml/itemProps71.xml><?xml version="1.0" encoding="utf-8"?>
+<ds:datastoreItem xmlns:ds="http://schemas.openxmlformats.org/officeDocument/2006/customXml" ds:itemID="{1B03711D-7974-4BB0-98FE-59B9CCEFAD74}">
+  <ds:schemaRefs>
+    <ds:schemaRef ds:uri="http://schemas.microsoft.com/VisualStudio/2011/storyboarding/control"/>
+  </ds:schemaRefs>
+</ds:datastoreItem>
+</file>
+
+<file path=customXml/itemProps72.xml><?xml version="1.0" encoding="utf-8"?>
+<ds:datastoreItem xmlns:ds="http://schemas.openxmlformats.org/officeDocument/2006/customXml" ds:itemID="{30C67628-1629-4950-92B6-AC7598369BDF}">
+  <ds:schemaRefs>
+    <ds:schemaRef ds:uri="http://schemas.microsoft.com/VisualStudio/2011/storyboarding/control"/>
+  </ds:schemaRefs>
+</ds:datastoreItem>
+</file>
+
+<file path=customXml/itemProps73.xml><?xml version="1.0" encoding="utf-8"?>
+<ds:datastoreItem xmlns:ds="http://schemas.openxmlformats.org/officeDocument/2006/customXml" ds:itemID="{4237F310-BE25-434D-9A7B-58551D3C7556}">
+  <ds:schemaRefs>
+    <ds:schemaRef ds:uri="http://schemas.microsoft.com/VisualStudio/2011/storyboarding/control"/>
+  </ds:schemaRefs>
+</ds:datastoreItem>
+</file>
+
+<file path=customXml/itemProps74.xml><?xml version="1.0" encoding="utf-8"?>
 <ds:datastoreItem xmlns:ds="http://schemas.openxmlformats.org/officeDocument/2006/customXml" ds:itemID="{C3995F41-00A5-4E54-AD9C-CA2384E9669A}">
   <ds:schemaRefs>
     <ds:schemaRef ds:uri="http://schemas.microsoft.com/VisualStudio/2011/storyboarding/control"/>
@@ -5875,39 +6178,15 @@
 </ds:datastoreItem>
 </file>
 
-<file path=customXml/itemProps20.xml><?xml version="1.0" encoding="utf-8"?>
-<ds:datastoreItem xmlns:ds="http://schemas.openxmlformats.org/officeDocument/2006/customXml" ds:itemID="{FBA26B83-6BE1-446B-8301-81945AEDFDA0}">
-  <ds:schemaRefs>
-    <ds:schemaRef ds:uri="http://schemas.microsoft.com/VisualStudio/2011/storyboarding/control"/>
-  </ds:schemaRefs>
-</ds:datastoreItem>
-</file>
-
-<file path=customXml/itemProps21.xml><?xml version="1.0" encoding="utf-8"?>
-<ds:datastoreItem xmlns:ds="http://schemas.openxmlformats.org/officeDocument/2006/customXml" ds:itemID="{D704AC44-035F-4295-BB91-51BC2EEDC32C}">
-  <ds:schemaRefs>
-    <ds:schemaRef ds:uri="http://schemas.microsoft.com/VisualStudio/2011/storyboarding/control"/>
-  </ds:schemaRefs>
-</ds:datastoreItem>
-</file>
-
-<file path=customXml/itemProps22.xml><?xml version="1.0" encoding="utf-8"?>
-<ds:datastoreItem xmlns:ds="http://schemas.openxmlformats.org/officeDocument/2006/customXml" ds:itemID="{4E5BE3C9-AE6F-4476-A264-FF179CDB70CF}">
-  <ds:schemaRefs>
-    <ds:schemaRef ds:uri="http://schemas.microsoft.com/VisualStudio/2011/storyboarding/control"/>
-  </ds:schemaRefs>
-</ds:datastoreItem>
-</file>
-
-<file path=customXml/itemProps23.xml><?xml version="1.0" encoding="utf-8"?>
-<ds:datastoreItem xmlns:ds="http://schemas.openxmlformats.org/officeDocument/2006/customXml" ds:itemID="{A4E43D24-E523-418B-8126-A6CA7196BF77}">
-  <ds:schemaRefs>
-    <ds:schemaRef ds:uri="http://schemas.microsoft.com/VisualStudio/2011/storyboarding/control"/>
-  </ds:schemaRefs>
-</ds:datastoreItem>
-</file>
-
-<file path=customXml/itemProps24.xml><?xml version="1.0" encoding="utf-8"?>
+<file path=customXml/itemProps75.xml><?xml version="1.0" encoding="utf-8"?>
+<ds:datastoreItem xmlns:ds="http://schemas.openxmlformats.org/officeDocument/2006/customXml" ds:itemID="{0645DED3-628B-46A3-876F-ABB0A70FC706}">
+  <ds:schemaRefs>
+    <ds:schemaRef ds:uri="http://schemas.microsoft.com/VisualStudio/2011/storyboarding/control"/>
+  </ds:schemaRefs>
+</ds:datastoreItem>
+</file>
+
+<file path=customXml/itemProps76.xml><?xml version="1.0" encoding="utf-8"?>
 <ds:datastoreItem xmlns:ds="http://schemas.openxmlformats.org/officeDocument/2006/customXml" ds:itemID="{926CDEEF-6E4B-41EA-BA71-C3E5AB43BAF5}">
   <ds:schemaRefs>
     <ds:schemaRef ds:uri="http://schemas.microsoft.com/VisualStudio/2011/storyboarding/control"/>
@@ -5915,143 +6194,7 @@
 </ds:datastoreItem>
 </file>
 
-<file path=customXml/itemProps25.xml><?xml version="1.0" encoding="utf-8"?>
-<ds:datastoreItem xmlns:ds="http://schemas.openxmlformats.org/officeDocument/2006/customXml" ds:itemID="{DFAB3159-124D-4E03-862B-363B8FDDE73A}">
-  <ds:schemaRefs>
-    <ds:schemaRef ds:uri="http://schemas.microsoft.com/VisualStudio/2011/storyboarding/control"/>
-  </ds:schemaRefs>
-</ds:datastoreItem>
-</file>
-
-<file path=customXml/itemProps26.xml><?xml version="1.0" encoding="utf-8"?>
-<ds:datastoreItem xmlns:ds="http://schemas.openxmlformats.org/officeDocument/2006/customXml" ds:itemID="{15C662DE-14A7-46BD-ABE7-E43E2BD6BED1}">
-  <ds:schemaRefs>
-    <ds:schemaRef ds:uri="http://schemas.microsoft.com/VisualStudio/2011/storyboarding/control"/>
-  </ds:schemaRefs>
-</ds:datastoreItem>
-</file>
-
-<file path=customXml/itemProps27.xml><?xml version="1.0" encoding="utf-8"?>
-<ds:datastoreItem xmlns:ds="http://schemas.openxmlformats.org/officeDocument/2006/customXml" ds:itemID="{FE153C08-5B6E-49BE-9BAD-AC85721F070E}">
-  <ds:schemaRefs>
-    <ds:schemaRef ds:uri="http://schemas.microsoft.com/VisualStudio/2011/storyboarding/control"/>
-  </ds:schemaRefs>
-</ds:datastoreItem>
-</file>
-
-<file path=customXml/itemProps28.xml><?xml version="1.0" encoding="utf-8"?>
-<ds:datastoreItem xmlns:ds="http://schemas.openxmlformats.org/officeDocument/2006/customXml" ds:itemID="{7F960B01-C1BC-4D10-B025-8C396A2C71B8}">
-  <ds:schemaRefs>
-    <ds:schemaRef ds:uri="http://schemas.microsoft.com/VisualStudio/2011/storyboarding/control"/>
-  </ds:schemaRefs>
-</ds:datastoreItem>
-</file>
-
-<file path=customXml/itemProps29.xml><?xml version="1.0" encoding="utf-8"?>
-<ds:datastoreItem xmlns:ds="http://schemas.openxmlformats.org/officeDocument/2006/customXml" ds:itemID="{0645DED3-628B-46A3-876F-ABB0A70FC706}">
-  <ds:schemaRefs>
-    <ds:schemaRef ds:uri="http://schemas.microsoft.com/VisualStudio/2011/storyboarding/control"/>
-  </ds:schemaRefs>
-</ds:datastoreItem>
-</file>
-
-<file path=customXml/itemProps3.xml><?xml version="1.0" encoding="utf-8"?>
-<ds:datastoreItem xmlns:ds="http://schemas.openxmlformats.org/officeDocument/2006/customXml" ds:itemID="{886D4689-6A1F-45EB-A355-5707FCE890CF}">
-  <ds:schemaRefs>
-    <ds:schemaRef ds:uri="http://schemas.microsoft.com/VisualStudio/2011/storyboarding/control"/>
-  </ds:schemaRefs>
-</ds:datastoreItem>
-</file>
-
-<file path=customXml/itemProps30.xml><?xml version="1.0" encoding="utf-8"?>
-<ds:datastoreItem xmlns:ds="http://schemas.openxmlformats.org/officeDocument/2006/customXml" ds:itemID="{EA825846-F633-4AE4-A160-9BEA6F7B9BF5}">
-  <ds:schemaRefs>
-    <ds:schemaRef ds:uri="http://schemas.microsoft.com/VisualStudio/2011/storyboarding/control"/>
-  </ds:schemaRefs>
-</ds:datastoreItem>
-</file>
-
-<file path=customXml/itemProps31.xml><?xml version="1.0" encoding="utf-8"?>
-<ds:datastoreItem xmlns:ds="http://schemas.openxmlformats.org/officeDocument/2006/customXml" ds:itemID="{9F94FD13-A717-40BF-B28E-DAD2B33FC672}">
-  <ds:schemaRefs>
-    <ds:schemaRef ds:uri="http://schemas.microsoft.com/VisualStudio/2011/storyboarding/control"/>
-  </ds:schemaRefs>
-</ds:datastoreItem>
-</file>
-
-<file path=customXml/itemProps32.xml><?xml version="1.0" encoding="utf-8"?>
-<ds:datastoreItem xmlns:ds="http://schemas.openxmlformats.org/officeDocument/2006/customXml" ds:itemID="{5A005DC0-2C11-4A7E-A75E-8BEC008A4EA4}">
-  <ds:schemaRefs>
-    <ds:schemaRef ds:uri="http://schemas.microsoft.com/VisualStudio/2011/storyboarding/control"/>
-  </ds:schemaRefs>
-</ds:datastoreItem>
-</file>
-
-<file path=customXml/itemProps33.xml><?xml version="1.0" encoding="utf-8"?>
-<ds:datastoreItem xmlns:ds="http://schemas.openxmlformats.org/officeDocument/2006/customXml" ds:itemID="{B78889EA-C071-4B99-A98A-DCA50E0B096B}">
-  <ds:schemaRefs>
-    <ds:schemaRef ds:uri="http://schemas.microsoft.com/VisualStudio/2011/storyboarding/control"/>
-  </ds:schemaRefs>
-</ds:datastoreItem>
-</file>
-
-<file path=customXml/itemProps34.xml><?xml version="1.0" encoding="utf-8"?>
-<ds:datastoreItem xmlns:ds="http://schemas.openxmlformats.org/officeDocument/2006/customXml" ds:itemID="{499D72F2-9EAE-40B4-A2DA-D32928D2C2C4}">
-  <ds:schemaRefs>
-    <ds:schemaRef ds:uri="http://schemas.microsoft.com/VisualStudio/2011/storyboarding/control"/>
-  </ds:schemaRefs>
-</ds:datastoreItem>
-</file>
-
-<file path=customXml/itemProps35.xml><?xml version="1.0" encoding="utf-8"?>
-<ds:datastoreItem xmlns:ds="http://schemas.openxmlformats.org/officeDocument/2006/customXml" ds:itemID="{37C8B8B6-52BD-406E-9C84-F2A2111B4E21}">
-  <ds:schemaRefs>
-    <ds:schemaRef ds:uri="http://schemas.microsoft.com/VisualStudio/2011/storyboarding/control"/>
-  </ds:schemaRefs>
-</ds:datastoreItem>
-</file>
-
-<file path=customXml/itemProps36.xml><?xml version="1.0" encoding="utf-8"?>
-<ds:datastoreItem xmlns:ds="http://schemas.openxmlformats.org/officeDocument/2006/customXml" ds:itemID="{76458502-AFE9-4753-8DF3-EBC8D92F86FC}">
-  <ds:schemaRefs>
-    <ds:schemaRef ds:uri="http://schemas.microsoft.com/VisualStudio/2011/storyboarding/control"/>
-  </ds:schemaRefs>
-</ds:datastoreItem>
-</file>
-
-<file path=customXml/itemProps37.xml><?xml version="1.0" encoding="utf-8"?>
-<ds:datastoreItem xmlns:ds="http://schemas.openxmlformats.org/officeDocument/2006/customXml" ds:itemID="{FAB03E05-0B9C-4CF7-AF66-E1BEBBDF29A6}">
-  <ds:schemaRefs>
-    <ds:schemaRef ds:uri="http://schemas.microsoft.com/VisualStudio/2011/storyboarding/control"/>
-  </ds:schemaRefs>
-</ds:datastoreItem>
-</file>
-
-<file path=customXml/itemProps38.xml><?xml version="1.0" encoding="utf-8"?>
-<ds:datastoreItem xmlns:ds="http://schemas.openxmlformats.org/officeDocument/2006/customXml" ds:itemID="{E3F7D4EF-4C70-45B2-BEFC-5B75497F6987}">
-  <ds:schemaRefs>
-    <ds:schemaRef ds:uri="http://schemas.microsoft.com/VisualStudio/2011/storyboarding/control"/>
-  </ds:schemaRefs>
-</ds:datastoreItem>
-</file>
-
-<file path=customXml/itemProps39.xml><?xml version="1.0" encoding="utf-8"?>
-<ds:datastoreItem xmlns:ds="http://schemas.openxmlformats.org/officeDocument/2006/customXml" ds:itemID="{74B307CE-886E-4505-B0B5-013506AA16EA}">
-  <ds:schemaRefs>
-    <ds:schemaRef ds:uri="http://schemas.microsoft.com/VisualStudio/2011/storyboarding/control"/>
-  </ds:schemaRefs>
-</ds:datastoreItem>
-</file>
-
-<file path=customXml/itemProps4.xml><?xml version="1.0" encoding="utf-8"?>
-<ds:datastoreItem xmlns:ds="http://schemas.openxmlformats.org/officeDocument/2006/customXml" ds:itemID="{180672E3-138C-465C-AE03-B1B4EE949B27}">
-  <ds:schemaRefs>
-    <ds:schemaRef ds:uri="http://schemas.microsoft.com/VisualStudio/2011/storyboarding/control"/>
-  </ds:schemaRefs>
-</ds:datastoreItem>
-</file>
-
-<file path=customXml/itemProps40.xml><?xml version="1.0" encoding="utf-8"?>
+<file path=customXml/itemProps77.xml><?xml version="1.0" encoding="utf-8"?>
 <ds:datastoreItem xmlns:ds="http://schemas.openxmlformats.org/officeDocument/2006/customXml" ds:itemID="{121CD933-6EA1-4FB4-94E7-FE7B97B7E222}">
   <ds:schemaRefs>
     <ds:schemaRef ds:uri="http://schemas.microsoft.com/VisualStudio/2011/storyboarding/control"/>
@@ -6059,39 +6202,7 @@
 </ds:datastoreItem>
 </file>
 
-<file path=customXml/itemProps41.xml><?xml version="1.0" encoding="utf-8"?>
-<ds:datastoreItem xmlns:ds="http://schemas.openxmlformats.org/officeDocument/2006/customXml" ds:itemID="{48176EE8-3B98-4FAA-9D7C-D5471DECE3F1}">
-  <ds:schemaRefs>
-    <ds:schemaRef ds:uri="http://schemas.microsoft.com/VisualStudio/2011/storyboarding/control"/>
-  </ds:schemaRefs>
-</ds:datastoreItem>
-</file>
-
-<file path=customXml/itemProps42.xml><?xml version="1.0" encoding="utf-8"?>
-<ds:datastoreItem xmlns:ds="http://schemas.openxmlformats.org/officeDocument/2006/customXml" ds:itemID="{A5050753-6AB3-4F6D-A059-9A6387FAF166}">
-  <ds:schemaRefs>
-    <ds:schemaRef ds:uri="http://schemas.microsoft.com/VisualStudio/2011/storyboarding/control"/>
-  </ds:schemaRefs>
-</ds:datastoreItem>
-</file>
-
-<file path=customXml/itemProps43.xml><?xml version="1.0" encoding="utf-8"?>
-<ds:datastoreItem xmlns:ds="http://schemas.openxmlformats.org/officeDocument/2006/customXml" ds:itemID="{C0266D63-BAC1-4154-B8CA-1EDCD36FA2E6}">
-  <ds:schemaRefs>
-    <ds:schemaRef ds:uri="http://schemas.microsoft.com/VisualStudio/2011/storyboarding/control"/>
-  </ds:schemaRefs>
-</ds:datastoreItem>
-</file>
-
-<file path=customXml/itemProps44.xml><?xml version="1.0" encoding="utf-8"?>
-<ds:datastoreItem xmlns:ds="http://schemas.openxmlformats.org/officeDocument/2006/customXml" ds:itemID="{18916EF1-13EF-4E2D-B5EC-48453D00FB5A}">
-  <ds:schemaRefs>
-    <ds:schemaRef ds:uri="http://schemas.microsoft.com/VisualStudio/2011/storyboarding/control"/>
-  </ds:schemaRefs>
-</ds:datastoreItem>
-</file>
-
-<file path=customXml/itemProps45.xml><?xml version="1.0" encoding="utf-8"?>
+<file path=customXml/itemProps78.xml><?xml version="1.0" encoding="utf-8"?>
 <ds:datastoreItem xmlns:ds="http://schemas.openxmlformats.org/officeDocument/2006/customXml" ds:itemID="{CF46E8C3-E5D8-422E-A0E3-4EBBC4866218}">
   <ds:schemaRefs>
     <ds:schemaRef ds:uri="http://schemas.microsoft.com/VisualStudio/2011/storyboarding/control"/>
@@ -6099,320 +6210,32 @@
 </ds:datastoreItem>
 </file>
 
-<file path=customXml/itemProps46.xml><?xml version="1.0" encoding="utf-8"?>
-<ds:datastoreItem xmlns:ds="http://schemas.openxmlformats.org/officeDocument/2006/customXml" ds:itemID="{4ADE05B5-21E2-4F83-B4C3-D3D04294D34B}">
-  <ds:schemaRefs>
-    <ds:schemaRef ds:uri="http://schemas.microsoft.com/VisualStudio/2011/storyboarding/control"/>
-  </ds:schemaRefs>
-</ds:datastoreItem>
-</file>
-
-<file path=customXml/itemProps47.xml><?xml version="1.0" encoding="utf-8"?>
-<ds:datastoreItem xmlns:ds="http://schemas.openxmlformats.org/officeDocument/2006/customXml" ds:itemID="{741E9F1B-CD4B-44DE-AF3E-80FFA53C54CD}">
-  <ds:schemaRefs>
-    <ds:schemaRef ds:uri="http://schemas.microsoft.com/VisualStudio/2011/storyboarding/control"/>
-  </ds:schemaRefs>
-</ds:datastoreItem>
-</file>
-
-<file path=customXml/itemProps48.xml><?xml version="1.0" encoding="utf-8"?>
-<ds:datastoreItem xmlns:ds="http://schemas.openxmlformats.org/officeDocument/2006/customXml" ds:itemID="{99BAFEE1-9A76-4916-BE5D-6B9E720BCE9B}">
-  <ds:schemaRefs>
-    <ds:schemaRef ds:uri="http://schemas.microsoft.com/VisualStudio/2011/storyboarding/control"/>
-  </ds:schemaRefs>
-</ds:datastoreItem>
-</file>
-
-<file path=customXml/itemProps49.xml><?xml version="1.0" encoding="utf-8"?>
-<ds:datastoreItem xmlns:ds="http://schemas.openxmlformats.org/officeDocument/2006/customXml" ds:itemID="{9805B08F-7B35-4E73-A7B7-28D606791ED4}">
-  <ds:schemaRefs>
-    <ds:schemaRef ds:uri="http://schemas.microsoft.com/VisualStudio/2011/storyboarding/control"/>
-  </ds:schemaRefs>
-</ds:datastoreItem>
-</file>
-
-<file path=customXml/itemProps5.xml><?xml version="1.0" encoding="utf-8"?>
-<ds:datastoreItem xmlns:ds="http://schemas.openxmlformats.org/officeDocument/2006/customXml" ds:itemID="{EA443E8A-DE6B-40C4-9647-589AF43210BD}">
-  <ds:schemaRefs>
-    <ds:schemaRef ds:uri="http://schemas.microsoft.com/VisualStudio/2011/storyboarding/control"/>
-  </ds:schemaRefs>
-</ds:datastoreItem>
-</file>
-
-<file path=customXml/itemProps50.xml><?xml version="1.0" encoding="utf-8"?>
-<ds:datastoreItem xmlns:ds="http://schemas.openxmlformats.org/officeDocument/2006/customXml" ds:itemID="{B6593C86-5507-4301-A43E-FC9C4778A28F}">
-  <ds:schemaRefs>
-    <ds:schemaRef ds:uri="http://schemas.microsoft.com/VisualStudio/2011/storyboarding/control"/>
-  </ds:schemaRefs>
-</ds:datastoreItem>
-</file>
-
-<file path=customXml/itemProps51.xml><?xml version="1.0" encoding="utf-8"?>
-<ds:datastoreItem xmlns:ds="http://schemas.openxmlformats.org/officeDocument/2006/customXml" ds:itemID="{056AFF61-E022-4953-A747-B7E00DF5A717}">
-  <ds:schemaRefs>
-    <ds:schemaRef ds:uri="http://schemas.microsoft.com/VisualStudio/2011/storyboarding/control"/>
-  </ds:schemaRefs>
-</ds:datastoreItem>
-</file>
-
-<file path=customXml/itemProps52.xml><?xml version="1.0" encoding="utf-8"?>
-<ds:datastoreItem xmlns:ds="http://schemas.openxmlformats.org/officeDocument/2006/customXml" ds:itemID="{5BD564DC-66E5-46F3-92BD-340085AD1B50}">
-  <ds:schemaRefs>
-    <ds:schemaRef ds:uri="http://schemas.microsoft.com/VisualStudio/2011/storyboarding/control"/>
-  </ds:schemaRefs>
-</ds:datastoreItem>
-</file>
-
-<file path=customXml/itemProps53.xml><?xml version="1.0" encoding="utf-8"?>
-<ds:datastoreItem xmlns:ds="http://schemas.openxmlformats.org/officeDocument/2006/customXml" ds:itemID="{C5486112-768E-4D80-9678-4C614B2FBF21}">
-  <ds:schemaRefs>
-    <ds:schemaRef ds:uri="http://schemas.microsoft.com/VisualStudio/2011/storyboarding/control"/>
-  </ds:schemaRefs>
-</ds:datastoreItem>
-</file>
-
-<file path=customXml/itemProps54.xml><?xml version="1.0" encoding="utf-8"?>
-<ds:datastoreItem xmlns:ds="http://schemas.openxmlformats.org/officeDocument/2006/customXml" ds:itemID="{EA6941B0-51FA-4AFA-BEF2-3BCBC44AA371}">
-  <ds:schemaRefs>
-    <ds:schemaRef ds:uri="http://schemas.microsoft.com/VisualStudio/2011/storyboarding/control"/>
-  </ds:schemaRefs>
-</ds:datastoreItem>
-</file>
-
-<file path=customXml/itemProps55.xml><?xml version="1.0" encoding="utf-8"?>
-<ds:datastoreItem xmlns:ds="http://schemas.openxmlformats.org/officeDocument/2006/customXml" ds:itemID="{5D7401CA-755C-4F06-BDCF-29A617C5C8A1}">
-  <ds:schemaRefs>
-    <ds:schemaRef ds:uri="http://schemas.microsoft.com/VisualStudio/2011/storyboarding/control"/>
-  </ds:schemaRefs>
-</ds:datastoreItem>
-</file>
-
-<file path=customXml/itemProps56.xml><?xml version="1.0" encoding="utf-8"?>
-<ds:datastoreItem xmlns:ds="http://schemas.openxmlformats.org/officeDocument/2006/customXml" ds:itemID="{90A9422D-4ED9-4401-A04A-A7621D6F40E6}">
-  <ds:schemaRefs>
-    <ds:schemaRef ds:uri="http://schemas.microsoft.com/VisualStudio/2011/storyboarding/control"/>
-  </ds:schemaRefs>
-</ds:datastoreItem>
-</file>
-
-<file path=customXml/itemProps57.xml><?xml version="1.0" encoding="utf-8"?>
-<ds:datastoreItem xmlns:ds="http://schemas.openxmlformats.org/officeDocument/2006/customXml" ds:itemID="{8E141486-FF38-42DD-9F45-3F9246AD43F9}">
-  <ds:schemaRefs>
-    <ds:schemaRef ds:uri="http://schemas.microsoft.com/VisualStudio/2011/storyboarding/control"/>
-  </ds:schemaRefs>
-</ds:datastoreItem>
-</file>
-
-<file path=customXml/itemProps58.xml><?xml version="1.0" encoding="utf-8"?>
-<ds:datastoreItem xmlns:ds="http://schemas.openxmlformats.org/officeDocument/2006/customXml" ds:itemID="{12761638-7D15-43A9-A338-988C23215D6E}">
-  <ds:schemaRefs>
-    <ds:schemaRef ds:uri="http://schemas.microsoft.com/VisualStudio/2011/storyboarding/control"/>
-  </ds:schemaRefs>
-</ds:datastoreItem>
-</file>
-
-<file path=customXml/itemProps59.xml><?xml version="1.0" encoding="utf-8"?>
-<ds:datastoreItem xmlns:ds="http://schemas.openxmlformats.org/officeDocument/2006/customXml" ds:itemID="{D9E52B8D-32F6-4F0F-B5F9-FF871D2FA241}">
-  <ds:schemaRefs>
-    <ds:schemaRef ds:uri="http://schemas.microsoft.com/VisualStudio/2011/storyboarding/control"/>
-  </ds:schemaRefs>
-</ds:datastoreItem>
-</file>
-
-<file path=customXml/itemProps6.xml><?xml version="1.0" encoding="utf-8"?>
-<ds:datastoreItem xmlns:ds="http://schemas.openxmlformats.org/officeDocument/2006/customXml" ds:itemID="{E08C6A06-0FA3-45DE-88CE-72C80DA7120D}">
-  <ds:schemaRefs>
-    <ds:schemaRef ds:uri="http://schemas.microsoft.com/VisualStudio/2011/storyboarding/control"/>
-  </ds:schemaRefs>
-</ds:datastoreItem>
-</file>
-
-<file path=customXml/itemProps60.xml><?xml version="1.0" encoding="utf-8"?>
-<ds:datastoreItem xmlns:ds="http://schemas.openxmlformats.org/officeDocument/2006/customXml" ds:itemID="{5F58D5C6-438E-4CA0-9BDC-9FADC5075979}">
-  <ds:schemaRefs>
-    <ds:schemaRef ds:uri="http://schemas.microsoft.com/VisualStudio/2011/storyboarding/control"/>
-  </ds:schemaRefs>
-</ds:datastoreItem>
-</file>
-
-<file path=customXml/itemProps61.xml><?xml version="1.0" encoding="utf-8"?>
+<file path=customXml/itemProps79.xml><?xml version="1.0" encoding="utf-8"?>
+<ds:datastoreItem xmlns:ds="http://schemas.openxmlformats.org/officeDocument/2006/customXml" ds:itemID="{6EA2ED5A-C004-4D84-BD3A-591B6E9839C6}">
+  <ds:schemaRefs>
+    <ds:schemaRef ds:uri="http://schemas.microsoft.com/VisualStudio/2011/storyboarding/control"/>
+  </ds:schemaRefs>
+</ds:datastoreItem>
+</file>
+
+<file path=customXml/itemProps8.xml><?xml version="1.0" encoding="utf-8"?>
+<ds:datastoreItem xmlns:ds="http://schemas.openxmlformats.org/officeDocument/2006/customXml" ds:itemID="{54E4E2AE-BB2F-462B-BDA8-3C5C9713C244}">
+  <ds:schemaRefs>
+    <ds:schemaRef ds:uri="http://schemas.microsoft.com/VisualStudio/2011/storyboarding/control"/>
+  </ds:schemaRefs>
+</ds:datastoreItem>
+</file>
+
+<file path=customXml/itemProps80.xml><?xml version="1.0" encoding="utf-8"?>
+<ds:datastoreItem xmlns:ds="http://schemas.openxmlformats.org/officeDocument/2006/customXml" ds:itemID="{DB494D17-39F6-4A07-A540-3C9482A2CFBC}">
+  <ds:schemaRefs>
+    <ds:schemaRef ds:uri="http://schemas.microsoft.com/VisualStudio/2011/storyboarding/control"/>
+  </ds:schemaRefs>
+</ds:datastoreItem>
+</file>
+
+<file path=customXml/itemProps81.xml><?xml version="1.0" encoding="utf-8"?>
 <ds:datastoreItem xmlns:ds="http://schemas.openxmlformats.org/officeDocument/2006/customXml" ds:itemID="{1057F069-A9AB-40C1-A811-397B115D26F5}">
-  <ds:schemaRefs>
-    <ds:schemaRef ds:uri="http://schemas.microsoft.com/VisualStudio/2011/storyboarding/control"/>
-  </ds:schemaRefs>
-</ds:datastoreItem>
-</file>
-
-<file path=customXml/itemProps62.xml><?xml version="1.0" encoding="utf-8"?>
-<ds:datastoreItem xmlns:ds="http://schemas.openxmlformats.org/officeDocument/2006/customXml" ds:itemID="{9F16DDEF-BFA8-47B4-A731-80C8E391E1B8}">
-  <ds:schemaRefs>
-    <ds:schemaRef ds:uri="http://schemas.microsoft.com/VisualStudio/2011/storyboarding/control"/>
-  </ds:schemaRefs>
-</ds:datastoreItem>
-</file>
-
-<file path=customXml/itemProps63.xml><?xml version="1.0" encoding="utf-8"?>
-<ds:datastoreItem xmlns:ds="http://schemas.openxmlformats.org/officeDocument/2006/customXml" ds:itemID="{F18EB44E-061B-42AC-8A74-21B9B1D738D2}">
-  <ds:schemaRefs>
-    <ds:schemaRef ds:uri="http://schemas.microsoft.com/VisualStudio/2011/storyboarding/control"/>
-  </ds:schemaRefs>
-</ds:datastoreItem>
-</file>
-
-<file path=customXml/itemProps64.xml><?xml version="1.0" encoding="utf-8"?>
-<ds:datastoreItem xmlns:ds="http://schemas.openxmlformats.org/officeDocument/2006/customXml" ds:itemID="{3C3F3149-2518-4E60-954B-2C0D61E01A08}">
-  <ds:schemaRefs>
-    <ds:schemaRef ds:uri="http://schemas.microsoft.com/VisualStudio/2011/storyboarding/control"/>
-  </ds:schemaRefs>
-</ds:datastoreItem>
-</file>
-
-<file path=customXml/itemProps65.xml><?xml version="1.0" encoding="utf-8"?>
-<ds:datastoreItem xmlns:ds="http://schemas.openxmlformats.org/officeDocument/2006/customXml" ds:itemID="{6491E925-984A-4F68-B38E-0F36936BE2BE}">
-  <ds:schemaRefs>
-    <ds:schemaRef ds:uri="http://schemas.microsoft.com/VisualStudio/2011/storyboarding/control"/>
-  </ds:schemaRefs>
-</ds:datastoreItem>
-</file>
-
-<file path=customXml/itemProps66.xml><?xml version="1.0" encoding="utf-8"?>
-<ds:datastoreItem xmlns:ds="http://schemas.openxmlformats.org/officeDocument/2006/customXml" ds:itemID="{6EA2ED5A-C004-4D84-BD3A-591B6E9839C6}">
-  <ds:schemaRefs>
-    <ds:schemaRef ds:uri="http://schemas.microsoft.com/VisualStudio/2011/storyboarding/control"/>
-  </ds:schemaRefs>
-</ds:datastoreItem>
-</file>
-
-<file path=customXml/itemProps67.xml><?xml version="1.0" encoding="utf-8"?>
-<ds:datastoreItem xmlns:ds="http://schemas.openxmlformats.org/officeDocument/2006/customXml" ds:itemID="{4285F816-A28D-4693-AD90-B66D43AA0559}">
-  <ds:schemaRefs>
-    <ds:schemaRef ds:uri="http://schemas.microsoft.com/VisualStudio/2011/storyboarding/control"/>
-  </ds:schemaRefs>
-</ds:datastoreItem>
-</file>
-
-<file path=customXml/itemProps68.xml><?xml version="1.0" encoding="utf-8"?>
-<ds:datastoreItem xmlns:ds="http://schemas.openxmlformats.org/officeDocument/2006/customXml" ds:itemID="{C0BB34A4-AA43-4778-8979-5AF11810B8CD}">
-  <ds:schemaRefs>
-    <ds:schemaRef ds:uri="http://schemas.microsoft.com/VisualStudio/2011/storyboarding/control"/>
-  </ds:schemaRefs>
-</ds:datastoreItem>
-</file>
-
-<file path=customXml/itemProps69.xml><?xml version="1.0" encoding="utf-8"?>
-<ds:datastoreItem xmlns:ds="http://schemas.openxmlformats.org/officeDocument/2006/customXml" ds:itemID="{B8586F91-83A8-49F7-BABA-07558E75716F}">
-  <ds:schemaRefs>
-    <ds:schemaRef ds:uri="http://schemas.microsoft.com/VisualStudio/2011/storyboarding/control"/>
-  </ds:schemaRefs>
-</ds:datastoreItem>
-</file>
-
-<file path=customXml/itemProps7.xml><?xml version="1.0" encoding="utf-8"?>
-<ds:datastoreItem xmlns:ds="http://schemas.openxmlformats.org/officeDocument/2006/customXml" ds:itemID="{1B03711D-7974-4BB0-98FE-59B9CCEFAD74}">
-  <ds:schemaRefs>
-    <ds:schemaRef ds:uri="http://schemas.microsoft.com/VisualStudio/2011/storyboarding/control"/>
-  </ds:schemaRefs>
-</ds:datastoreItem>
-</file>
-
-<file path=customXml/itemProps70.xml><?xml version="1.0" encoding="utf-8"?>
-<ds:datastoreItem xmlns:ds="http://schemas.openxmlformats.org/officeDocument/2006/customXml" ds:itemID="{BFEE87E5-67BF-41FC-B21F-DED889C9547A}">
-  <ds:schemaRefs>
-    <ds:schemaRef ds:uri="http://schemas.microsoft.com/VisualStudio/2011/storyboarding/control"/>
-  </ds:schemaRefs>
-</ds:datastoreItem>
-</file>
-
-<file path=customXml/itemProps71.xml><?xml version="1.0" encoding="utf-8"?>
-<ds:datastoreItem xmlns:ds="http://schemas.openxmlformats.org/officeDocument/2006/customXml" ds:itemID="{30C67628-1629-4950-92B6-AC7598369BDF}">
-  <ds:schemaRefs>
-    <ds:schemaRef ds:uri="http://schemas.microsoft.com/VisualStudio/2011/storyboarding/control"/>
-  </ds:schemaRefs>
-</ds:datastoreItem>
-</file>
-
-<file path=customXml/itemProps72.xml><?xml version="1.0" encoding="utf-8"?>
-<ds:datastoreItem xmlns:ds="http://schemas.openxmlformats.org/officeDocument/2006/customXml" ds:itemID="{8C0998FF-62B2-46C6-B894-ACA6E6AD2FAC}">
-  <ds:schemaRefs>
-    <ds:schemaRef ds:uri="http://schemas.microsoft.com/VisualStudio/2011/storyboarding/control"/>
-  </ds:schemaRefs>
-</ds:datastoreItem>
-</file>
-
-<file path=customXml/itemProps73.xml><?xml version="1.0" encoding="utf-8"?>
-<ds:datastoreItem xmlns:ds="http://schemas.openxmlformats.org/officeDocument/2006/customXml" ds:itemID="{66FD2A14-2F76-4127-886E-2AE7C6A35959}">
-  <ds:schemaRefs>
-    <ds:schemaRef ds:uri="http://schemas.microsoft.com/VisualStudio/2011/storyboarding/control"/>
-  </ds:schemaRefs>
-</ds:datastoreItem>
-</file>
-
-<file path=customXml/itemProps74.xml><?xml version="1.0" encoding="utf-8"?>
-<ds:datastoreItem xmlns:ds="http://schemas.openxmlformats.org/officeDocument/2006/customXml" ds:itemID="{3232F2BF-D8D5-4E7B-831C-7AE0888E6016}">
-  <ds:schemaRefs>
-    <ds:schemaRef ds:uri="http://schemas.microsoft.com/VisualStudio/2011/storyboarding/control"/>
-  </ds:schemaRefs>
-</ds:datastoreItem>
-</file>
-
-<file path=customXml/itemProps75.xml><?xml version="1.0" encoding="utf-8"?>
-<ds:datastoreItem xmlns:ds="http://schemas.openxmlformats.org/officeDocument/2006/customXml" ds:itemID="{803F77DB-A198-4487-BB20-6CB3BFA8A541}">
-  <ds:schemaRefs>
-    <ds:schemaRef ds:uri="http://schemas.microsoft.com/VisualStudio/2011/storyboarding/control"/>
-  </ds:schemaRefs>
-</ds:datastoreItem>
-</file>
-
-<file path=customXml/itemProps76.xml><?xml version="1.0" encoding="utf-8"?>
-<ds:datastoreItem xmlns:ds="http://schemas.openxmlformats.org/officeDocument/2006/customXml" ds:itemID="{C9F97F9E-D50D-428E-933E-F153FB77C077}">
-  <ds:schemaRefs>
-    <ds:schemaRef ds:uri="http://schemas.microsoft.com/VisualStudio/2011/storyboarding/control"/>
-  </ds:schemaRefs>
-</ds:datastoreItem>
-</file>
-
-<file path=customXml/itemProps77.xml><?xml version="1.0" encoding="utf-8"?>
-<ds:datastoreItem xmlns:ds="http://schemas.openxmlformats.org/officeDocument/2006/customXml" ds:itemID="{7C83FE82-24F7-41B2-939F-9FE60AACECE5}">
-  <ds:schemaRefs>
-    <ds:schemaRef ds:uri="http://schemas.microsoft.com/VisualStudio/2011/storyboarding/control"/>
-  </ds:schemaRefs>
-</ds:datastoreItem>
-</file>
-
-<file path=customXml/itemProps78.xml><?xml version="1.0" encoding="utf-8"?>
-<ds:datastoreItem xmlns:ds="http://schemas.openxmlformats.org/officeDocument/2006/customXml" ds:itemID="{5A06149F-309B-4C18-A36F-CFD51995F54A}">
-  <ds:schemaRefs>
-    <ds:schemaRef ds:uri="http://schemas.microsoft.com/VisualStudio/2011/storyboarding/control"/>
-  </ds:schemaRefs>
-</ds:datastoreItem>
-</file>
-
-<file path=customXml/itemProps79.xml><?xml version="1.0" encoding="utf-8"?>
-<ds:datastoreItem xmlns:ds="http://schemas.openxmlformats.org/officeDocument/2006/customXml" ds:itemID="{495D75C8-2D5D-4463-98F8-13DD3F075DAE}">
-  <ds:schemaRefs>
-    <ds:schemaRef ds:uri="http://schemas.microsoft.com/VisualStudio/2011/storyboarding/control"/>
-  </ds:schemaRefs>
-</ds:datastoreItem>
-</file>
-
-<file path=customXml/itemProps8.xml><?xml version="1.0" encoding="utf-8"?>
-<ds:datastoreItem xmlns:ds="http://schemas.openxmlformats.org/officeDocument/2006/customXml" ds:itemID="{933CF675-22DF-4125-AFB3-920B192270BA}">
-  <ds:schemaRefs>
-    <ds:schemaRef ds:uri="http://schemas.microsoft.com/VisualStudio/2011/storyboarding/control"/>
-  </ds:schemaRefs>
-</ds:datastoreItem>
-</file>
-
-<file path=customXml/itemProps80.xml><?xml version="1.0" encoding="utf-8"?>
-<ds:datastoreItem xmlns:ds="http://schemas.openxmlformats.org/officeDocument/2006/customXml" ds:itemID="{1862D6FC-3C74-4AC7-9D6D-02E6CBE8F3F0}">
-  <ds:schemaRefs>
-    <ds:schemaRef ds:uri="http://schemas.microsoft.com/VisualStudio/2011/storyboarding/control"/>
-  </ds:schemaRefs>
-</ds:datastoreItem>
-</file>
-
-<file path=customXml/itemProps81.xml><?xml version="1.0" encoding="utf-8"?>
-<ds:datastoreItem xmlns:ds="http://schemas.openxmlformats.org/officeDocument/2006/customXml" ds:itemID="{D695601F-15AE-418A-B052-3970A2975277}">
   <ds:schemaRefs>
     <ds:schemaRef ds:uri="http://schemas.microsoft.com/VisualStudio/2011/storyboarding/control"/>
   </ds:schemaRefs>
@@ -6428,7 +6251,7 @@
 </file>
 
 <file path=customXml/itemProps83.xml><?xml version="1.0" encoding="utf-8"?>
-<ds:datastoreItem xmlns:ds="http://schemas.openxmlformats.org/officeDocument/2006/customXml" ds:itemID="{9C03A5BF-59CC-4287-86FF-F0D11436BFC2}">
+<ds:datastoreItem xmlns:ds="http://schemas.openxmlformats.org/officeDocument/2006/customXml" ds:itemID="{FCA5A087-D1FF-4ED8-A897-FDF053B5FDEE}">
   <ds:schemaRefs>
     <ds:schemaRef ds:uri="http://schemas.microsoft.com/VisualStudio/2011/storyboarding/control"/>
   </ds:schemaRefs>
@@ -6436,7 +6259,7 @@
 </file>
 
 <file path=customXml/itemProps84.xml><?xml version="1.0" encoding="utf-8"?>
-<ds:datastoreItem xmlns:ds="http://schemas.openxmlformats.org/officeDocument/2006/customXml" ds:itemID="{A4658A37-F386-4485-9FB8-4FB04E497003}">
+<ds:datastoreItem xmlns:ds="http://schemas.openxmlformats.org/officeDocument/2006/customXml" ds:itemID="{4D24CC1F-D517-43C7-B98F-547D01F58AB5}">
   <ds:schemaRefs>
     <ds:schemaRef ds:uri="http://schemas.microsoft.com/VisualStudio/2011/storyboarding/control"/>
   </ds:schemaRefs>
@@ -6444,7 +6267,7 @@
 </file>
 
 <file path=customXml/itemProps85.xml><?xml version="1.0" encoding="utf-8"?>
-<ds:datastoreItem xmlns:ds="http://schemas.openxmlformats.org/officeDocument/2006/customXml" ds:itemID="{63F7AE64-1198-469B-91BB-C8ED92C9EAD5}">
+<ds:datastoreItem xmlns:ds="http://schemas.openxmlformats.org/officeDocument/2006/customXml" ds:itemID="{EA825846-F633-4AE4-A160-9BEA6F7B9BF5}">
   <ds:schemaRefs>
     <ds:schemaRef ds:uri="http://schemas.microsoft.com/VisualStudio/2011/storyboarding/control"/>
   </ds:schemaRefs>
@@ -6452,7 +6275,7 @@
 </file>
 
 <file path=customXml/itemProps86.xml><?xml version="1.0" encoding="utf-8"?>
-<ds:datastoreItem xmlns:ds="http://schemas.openxmlformats.org/officeDocument/2006/customXml" ds:itemID="{67A1DBB2-ED6D-417B-93C8-B28735BAE841}">
+<ds:datastoreItem xmlns:ds="http://schemas.openxmlformats.org/officeDocument/2006/customXml" ds:itemID="{37C8B8B6-52BD-406E-9C84-F2A2111B4E21}">
   <ds:schemaRefs>
     <ds:schemaRef ds:uri="http://schemas.microsoft.com/VisualStudio/2011/storyboarding/control"/>
   </ds:schemaRefs>
@@ -6460,7 +6283,7 @@
 </file>
 
 <file path=customXml/itemProps87.xml><?xml version="1.0" encoding="utf-8"?>
-<ds:datastoreItem xmlns:ds="http://schemas.openxmlformats.org/officeDocument/2006/customXml" ds:itemID="{DB494D17-39F6-4A07-A540-3C9482A2CFBC}">
+<ds:datastoreItem xmlns:ds="http://schemas.openxmlformats.org/officeDocument/2006/customXml" ds:itemID="{90A9422D-4ED9-4401-A04A-A7621D6F40E6}">
   <ds:schemaRefs>
     <ds:schemaRef ds:uri="http://schemas.microsoft.com/VisualStudio/2011/storyboarding/control"/>
   </ds:schemaRefs>
@@ -6468,7 +6291,7 @@
 </file>
 
 <file path=customXml/itemProps88.xml><?xml version="1.0" encoding="utf-8"?>
-<ds:datastoreItem xmlns:ds="http://schemas.openxmlformats.org/officeDocument/2006/customXml" ds:itemID="{1F6A4CF1-17E4-47BF-90C5-70228F1E04CA}">
+<ds:datastoreItem xmlns:ds="http://schemas.openxmlformats.org/officeDocument/2006/customXml" ds:itemID="{7C83FE82-24F7-41B2-939F-9FE60AACECE5}">
   <ds:schemaRefs>
     <ds:schemaRef ds:uri="http://schemas.microsoft.com/VisualStudio/2011/storyboarding/control"/>
   </ds:schemaRefs>
@@ -6476,7 +6299,7 @@
 </file>
 
 <file path=customXml/itemProps89.xml><?xml version="1.0" encoding="utf-8"?>
-<ds:datastoreItem xmlns:ds="http://schemas.openxmlformats.org/officeDocument/2006/customXml" ds:itemID="{54E4E2AE-BB2F-462B-BDA8-3C5C9713C244}">
+<ds:datastoreItem xmlns:ds="http://schemas.openxmlformats.org/officeDocument/2006/customXml" ds:itemID="{00C500D2-7D30-4EC9-9770-46B305C9221C}">
   <ds:schemaRefs>
     <ds:schemaRef ds:uri="http://schemas.microsoft.com/VisualStudio/2011/storyboarding/control"/>
   </ds:schemaRefs>
@@ -6484,7 +6307,7 @@
 </file>
 
 <file path=customXml/itemProps9.xml><?xml version="1.0" encoding="utf-8"?>
-<ds:datastoreItem xmlns:ds="http://schemas.openxmlformats.org/officeDocument/2006/customXml" ds:itemID="{B5BAB880-FEA9-4537-9B2D-4BBBEF3BD824}">
+<ds:datastoreItem xmlns:ds="http://schemas.openxmlformats.org/officeDocument/2006/customXml" ds:itemID="{77E1684D-1AA3-4A89-8485-FD22D751C185}">
   <ds:schemaRefs>
     <ds:schemaRef ds:uri="http://schemas.microsoft.com/VisualStudio/2011/storyboarding/control"/>
   </ds:schemaRefs>
@@ -6492,7 +6315,7 @@
 </file>
 
 <file path=customXml/itemProps90.xml><?xml version="1.0" encoding="utf-8"?>
-<ds:datastoreItem xmlns:ds="http://schemas.openxmlformats.org/officeDocument/2006/customXml" ds:itemID="{85D94D5E-7093-4F39-9CEF-74D8C3336050}">
+<ds:datastoreItem xmlns:ds="http://schemas.openxmlformats.org/officeDocument/2006/customXml" ds:itemID="{933CF675-22DF-4125-AFB3-920B192270BA}">
   <ds:schemaRefs>
     <ds:schemaRef ds:uri="http://schemas.microsoft.com/VisualStudio/2011/storyboarding/control"/>
   </ds:schemaRefs>
@@ -6500,7 +6323,7 @@
 </file>
 
 <file path=customXml/itemProps91.xml><?xml version="1.0" encoding="utf-8"?>
-<ds:datastoreItem xmlns:ds="http://schemas.openxmlformats.org/officeDocument/2006/customXml" ds:itemID="{D0A49516-BFA4-4698-A16D-F194AB5A2F1D}">
+<ds:datastoreItem xmlns:ds="http://schemas.openxmlformats.org/officeDocument/2006/customXml" ds:itemID="{056AFF61-E022-4953-A747-B7E00DF5A717}">
   <ds:schemaRefs>
     <ds:schemaRef ds:uri="http://schemas.microsoft.com/VisualStudio/2011/storyboarding/control"/>
   </ds:schemaRefs>
@@ -6508,7 +6331,7 @@
 </file>
 
 <file path=customXml/itemProps92.xml><?xml version="1.0" encoding="utf-8"?>
-<ds:datastoreItem xmlns:ds="http://schemas.openxmlformats.org/officeDocument/2006/customXml" ds:itemID="{4237F310-BE25-434D-9A7B-58551D3C7556}">
+<ds:datastoreItem xmlns:ds="http://schemas.openxmlformats.org/officeDocument/2006/customXml" ds:itemID="{8C0998FF-62B2-46C6-B894-ACA6E6AD2FAC}">
   <ds:schemaRefs>
     <ds:schemaRef ds:uri="http://schemas.microsoft.com/VisualStudio/2011/storyboarding/control"/>
   </ds:schemaRefs>
@@ -6524,7 +6347,7 @@
 </file>
 
 <file path=customXml/itemProps94.xml><?xml version="1.0" encoding="utf-8"?>
-<ds:datastoreItem xmlns:ds="http://schemas.openxmlformats.org/officeDocument/2006/customXml" ds:itemID="{361D1279-4D4D-4473-8B33-24BA6A553486}">
+<ds:datastoreItem xmlns:ds="http://schemas.openxmlformats.org/officeDocument/2006/customXml" ds:itemID="{71F7D4B5-B699-4291-AACC-1DCDA65301B7}">
   <ds:schemaRefs>
     <ds:schemaRef ds:uri="http://schemas.microsoft.com/VisualStudio/2011/storyboarding/control"/>
   </ds:schemaRefs>
@@ -6532,7 +6355,7 @@
 </file>
 
 <file path=customXml/itemProps95.xml><?xml version="1.0" encoding="utf-8"?>
-<ds:datastoreItem xmlns:ds="http://schemas.openxmlformats.org/officeDocument/2006/customXml" ds:itemID="{316437DC-28E4-4007-AD5C-C2F6DF1CA40F}">
+<ds:datastoreItem xmlns:ds="http://schemas.openxmlformats.org/officeDocument/2006/customXml" ds:itemID="{886D4689-6A1F-45EB-A355-5707FCE890CF}">
   <ds:schemaRefs>
     <ds:schemaRef ds:uri="http://schemas.microsoft.com/VisualStudio/2011/storyboarding/control"/>
   </ds:schemaRefs>
@@ -6540,7 +6363,7 @@
 </file>
 
 <file path=customXml/itemProps96.xml><?xml version="1.0" encoding="utf-8"?>
-<ds:datastoreItem xmlns:ds="http://schemas.openxmlformats.org/officeDocument/2006/customXml" ds:itemID="{2D5362F5-9284-46CE-A720-A893F450CE77}">
+<ds:datastoreItem xmlns:ds="http://schemas.openxmlformats.org/officeDocument/2006/customXml" ds:itemID="{DFAB3159-124D-4E03-862B-363B8FDDE73A}">
   <ds:schemaRefs>
     <ds:schemaRef ds:uri="http://schemas.microsoft.com/VisualStudio/2011/storyboarding/control"/>
   </ds:schemaRefs>
@@ -6548,7 +6371,7 @@
 </file>
 
 <file path=customXml/itemProps97.xml><?xml version="1.0" encoding="utf-8"?>
-<ds:datastoreItem xmlns:ds="http://schemas.openxmlformats.org/officeDocument/2006/customXml" ds:itemID="{1CFB39D1-C6C2-4957-A0DF-73117A76D67D}">
+<ds:datastoreItem xmlns:ds="http://schemas.openxmlformats.org/officeDocument/2006/customXml" ds:itemID="{4ADE05B5-21E2-4F83-B4C3-D3D04294D34B}">
   <ds:schemaRefs>
     <ds:schemaRef ds:uri="http://schemas.microsoft.com/VisualStudio/2011/storyboarding/control"/>
   </ds:schemaRefs>
@@ -6556,7 +6379,7 @@
 </file>
 
 <file path=customXml/itemProps98.xml><?xml version="1.0" encoding="utf-8"?>
-<ds:datastoreItem xmlns:ds="http://schemas.openxmlformats.org/officeDocument/2006/customXml" ds:itemID="{71F7D4B5-B699-4291-AACC-1DCDA65301B7}">
+<ds:datastoreItem xmlns:ds="http://schemas.openxmlformats.org/officeDocument/2006/customXml" ds:itemID="{4285F816-A28D-4693-AD90-B66D43AA0559}">
   <ds:schemaRefs>
     <ds:schemaRef ds:uri="http://schemas.microsoft.com/VisualStudio/2011/storyboarding/control"/>
   </ds:schemaRefs>
@@ -6564,7 +6387,7 @@
 </file>
 
 <file path=customXml/itemProps99.xml><?xml version="1.0" encoding="utf-8"?>
-<ds:datastoreItem xmlns:ds="http://schemas.openxmlformats.org/officeDocument/2006/customXml" ds:itemID="{86D38412-E029-4AA9-80C3-6AD592688B23}">
+<ds:datastoreItem xmlns:ds="http://schemas.openxmlformats.org/officeDocument/2006/customXml" ds:itemID="{FBA26B83-6BE1-446B-8301-81945AEDFDA0}">
   <ds:schemaRefs>
     <ds:schemaRef ds:uri="http://schemas.microsoft.com/VisualStudio/2011/storyboarding/control"/>
   </ds:schemaRefs>

--- a/DOCUMENTACAO/tela.pptx
+++ b/DOCUMENTACAO/tela.pptx
@@ -3793,7 +3793,7 @@
           <a:p>
             <a:pPr algn="ctr"/>
             <a:r>
-              <a:rPr lang="en-US" sz="21600" b="1" dirty="0" smtClean="0">
+              <a:rPr lang="en-US" sz="21600" b="1" smtClean="0">
                 <a:ln w="11430">
                   <a:solidFill>
                     <a:schemeClr val="bg1"/>
@@ -3806,8 +3806,21 @@
                 <a:ea typeface="Tahoma" pitchFamily="34" charset="0"/>
                 <a:cs typeface="Tahoma" pitchFamily="34" charset="0"/>
               </a:rPr>
-              <a:t>25</a:t>
-            </a:r>
+              <a:t>26</a:t>
+            </a:r>
+            <a:endParaRPr lang="en-US" sz="21600" b="1" dirty="0" smtClean="0">
+              <a:ln w="11430">
+                <a:solidFill>
+                  <a:schemeClr val="bg1"/>
+                </a:solidFill>
+              </a:ln>
+              <a:solidFill>
+                <a:schemeClr val="bg1"/>
+              </a:solidFill>
+              <a:latin typeface="Tahoma" pitchFamily="34" charset="0"/>
+              <a:ea typeface="Tahoma" pitchFamily="34" charset="0"/>
+              <a:cs typeface="Tahoma" pitchFamily="34" charset="0"/>
+            </a:endParaRPr>
           </a:p>
         </p:txBody>
       </p:sp>
